--- a/01 SmartFramework.pptx
+++ b/01 SmartFramework.pptx
@@ -5,16 +5,18 @@
     <p:sldMasterId id="2147483648" r:id="rId1"/>
   </p:sldMasterIdLst>
   <p:notesMasterIdLst>
-    <p:notesMasterId r:id="rId9"/>
+    <p:notesMasterId r:id="rId11"/>
   </p:notesMasterIdLst>
   <p:sldIdLst>
     <p:sldId id="256" r:id="rId2"/>
-    <p:sldId id="258" r:id="rId3"/>
-    <p:sldId id="259" r:id="rId4"/>
-    <p:sldId id="261" r:id="rId5"/>
-    <p:sldId id="260" r:id="rId6"/>
-    <p:sldId id="262" r:id="rId7"/>
-    <p:sldId id="263" r:id="rId8"/>
+    <p:sldId id="266" r:id="rId3"/>
+    <p:sldId id="264" r:id="rId4"/>
+    <p:sldId id="258" r:id="rId5"/>
+    <p:sldId id="259" r:id="rId6"/>
+    <p:sldId id="261" r:id="rId7"/>
+    <p:sldId id="260" r:id="rId8"/>
+    <p:sldId id="262" r:id="rId9"/>
+    <p:sldId id="263" r:id="rId10"/>
   </p:sldIdLst>
   <p:sldSz cx="9144000" cy="6858000" type="screen4x3"/>
   <p:notesSz cx="6858000" cy="9144000"/>
@@ -113,6 +115,46 @@
       </a:defRPr>
     </a:lvl9pPr>
   </p:defaultTextStyle>
+  <p:extLst>
+    <p:ext uri="{EFAFB233-063F-42B5-8137-9DF3F51BA10A}">
+      <p15:sldGuideLst xmlns:p15="http://schemas.microsoft.com/office/powerpoint/2012/main">
+        <p15:guide id="1" orient="horz" pos="2160">
+          <p15:clr>
+            <a:srgbClr val="A4A3A4"/>
+          </p15:clr>
+        </p15:guide>
+        <p15:guide id="2" orient="horz" pos="1026">
+          <p15:clr>
+            <a:srgbClr val="A4A3A4"/>
+          </p15:clr>
+        </p15:guide>
+        <p15:guide id="3" pos="2880">
+          <p15:clr>
+            <a:srgbClr val="A4A3A4"/>
+          </p15:clr>
+        </p15:guide>
+        <p15:guide id="4" pos="431">
+          <p15:clr>
+            <a:srgbClr val="A4A3A4"/>
+          </p15:clr>
+        </p15:guide>
+      </p15:sldGuideLst>
+    </p:ext>
+    <p:ext uri="{2D200454-40CA-4A62-9FC3-DE9A4176ACB9}">
+      <p15:notesGuideLst xmlns:p15="http://schemas.microsoft.com/office/powerpoint/2012/main">
+        <p15:guide id="1" orient="horz" pos="2880">
+          <p15:clr>
+            <a:srgbClr val="A4A3A4"/>
+          </p15:clr>
+        </p15:guide>
+        <p15:guide id="2" pos="2160">
+          <p15:clr>
+            <a:srgbClr val="A4A3A4"/>
+          </p15:clr>
+        </p15:guide>
+      </p15:notesGuideLst>
+    </p:ext>
+  </p:extLst>
 </p:presentation>
 </file>
 
@@ -167,7 +209,7 @@
           <a:p>
             <a:fld id="{B1853C1D-25FF-4C1B-B79E-8047CA691A69}" type="datetimeFigureOut">
               <a:rPr lang="ko-KR" altLang="en-US" smtClean="0"/>
-              <a:t>2020-04-09</a:t>
+              <a:t>2020-04-16</a:t>
             </a:fld>
             <a:endParaRPr lang="ko-KR" altLang="en-US"/>
           </a:p>
@@ -231,38 +273,37 @@
           <a:p>
             <a:pPr lvl="0"/>
             <a:r>
-              <a:rPr lang="ko-KR" altLang="en-US" smtClean="0"/>
+              <a:rPr lang="ko-KR" altLang="en-US"/>
               <a:t>마스터 텍스트 스타일을 편집합니다</a:t>
             </a:r>
           </a:p>
           <a:p>
             <a:pPr lvl="1"/>
             <a:r>
-              <a:rPr lang="ko-KR" altLang="en-US" smtClean="0"/>
+              <a:rPr lang="ko-KR" altLang="en-US"/>
               <a:t>둘째 수준</a:t>
             </a:r>
           </a:p>
           <a:p>
             <a:pPr lvl="2"/>
             <a:r>
-              <a:rPr lang="ko-KR" altLang="en-US" smtClean="0"/>
+              <a:rPr lang="ko-KR" altLang="en-US"/>
               <a:t>셋째 수준</a:t>
             </a:r>
           </a:p>
           <a:p>
             <a:pPr lvl="3"/>
             <a:r>
-              <a:rPr lang="ko-KR" altLang="en-US" smtClean="0"/>
+              <a:rPr lang="ko-KR" altLang="en-US"/>
               <a:t>넷째 수준</a:t>
             </a:r>
           </a:p>
           <a:p>
             <a:pPr lvl="4"/>
             <a:r>
-              <a:rPr lang="ko-KR" altLang="en-US" smtClean="0"/>
+              <a:rPr lang="ko-KR" altLang="en-US"/>
               <a:t>다섯째 수준</a:t>
             </a:r>
-            <a:endParaRPr lang="ko-KR" altLang="en-US"/>
           </a:p>
         </p:txBody>
       </p:sp>
@@ -466,6 +507,1372 @@
 </p:notesMaster>
 </file>
 
+<file path=ppt/notesSlides/notesSlide1.xml><?xml version="1.0" encoding="utf-8"?>
+<p:notes xmlns:a="http://schemas.openxmlformats.org/drawingml/2006/main" xmlns:r="http://schemas.openxmlformats.org/officeDocument/2006/relationships" xmlns:p="http://schemas.openxmlformats.org/presentationml/2006/main">
+  <p:cSld>
+    <p:spTree>
+      <p:nvGrpSpPr>
+        <p:cNvPr id="1" name=""/>
+        <p:cNvGrpSpPr/>
+        <p:nvPr/>
+      </p:nvGrpSpPr>
+      <p:grpSpPr>
+        <a:xfrm>
+          <a:off x="0" y="0"/>
+          <a:ext cx="0" cy="0"/>
+          <a:chOff x="0" y="0"/>
+          <a:chExt cx="0" cy="0"/>
+        </a:xfrm>
+      </p:grpSpPr>
+      <p:sp>
+        <p:nvSpPr>
+          <p:cNvPr id="2" name="슬라이드 이미지 개체 틀 1"/>
+          <p:cNvSpPr>
+            <a:spLocks noGrp="1" noRot="1" noChangeAspect="1"/>
+          </p:cNvSpPr>
+          <p:nvPr>
+            <p:ph type="sldImg"/>
+          </p:nvPr>
+        </p:nvSpPr>
+        <p:spPr/>
+      </p:sp>
+      <p:sp>
+        <p:nvSpPr>
+          <p:cNvPr id="3" name="슬라이드 노트 개체 틀 2"/>
+          <p:cNvSpPr>
+            <a:spLocks noGrp="1"/>
+          </p:cNvSpPr>
+          <p:nvPr>
+            <p:ph type="body" idx="1"/>
+          </p:nvPr>
+        </p:nvSpPr>
+        <p:spPr/>
+        <p:txBody>
+          <a:bodyPr/>
+          <a:lstStyle/>
+          <a:p>
+            <a:r>
+              <a:rPr lang="ko-KR" altLang="en-US" dirty="0"/>
+              <a:t>안녕하세요</a:t>
+            </a:r>
+            <a:r>
+              <a:rPr lang="en-US" altLang="ko-KR" dirty="0"/>
+              <a:t>. </a:t>
+            </a:r>
+            <a:r>
+              <a:rPr lang="ko-KR" altLang="en-US" dirty="0"/>
+              <a:t>솔루션그룹 </a:t>
+            </a:r>
+            <a:r>
+              <a:rPr lang="ko-KR" altLang="en-US" dirty="0" err="1"/>
+              <a:t>김완섭입니다</a:t>
+            </a:r>
+            <a:r>
+              <a:rPr lang="en-US" altLang="ko-KR" dirty="0"/>
+              <a:t>.</a:t>
+            </a:r>
+          </a:p>
+          <a:p>
+            <a:r>
+              <a:rPr lang="ko-KR" altLang="en-US" dirty="0"/>
+              <a:t>이번영상부터는 저희가 제공하고 있는 </a:t>
+            </a:r>
+            <a:r>
+              <a:rPr lang="en-US" altLang="ko-KR" dirty="0"/>
+              <a:t>smartsuite9.1 </a:t>
+            </a:r>
+            <a:r>
+              <a:rPr lang="ko-KR" altLang="en-US" dirty="0"/>
+              <a:t>웹 애플리케이션을 구현하기 위한 기초교육을 진행하고자 합니다</a:t>
+            </a:r>
+            <a:r>
+              <a:rPr lang="en-US" altLang="ko-KR" dirty="0"/>
+              <a:t>.</a:t>
+            </a:r>
+          </a:p>
+          <a:p>
+            <a:r>
+              <a:rPr lang="ko-KR" altLang="en-US" dirty="0"/>
+              <a:t>앞서 교육했던 </a:t>
+            </a:r>
+            <a:r>
+              <a:rPr lang="en-US" altLang="ko-KR" dirty="0"/>
+              <a:t>Polymer </a:t>
+            </a:r>
+            <a:r>
+              <a:rPr lang="ko-KR" altLang="en-US" dirty="0"/>
+              <a:t>라는 라이브러리와 </a:t>
+            </a:r>
+            <a:r>
+              <a:rPr lang="en-US" altLang="ko-KR" dirty="0"/>
+              <a:t>Spring framework</a:t>
+            </a:r>
+            <a:r>
+              <a:rPr lang="ko-KR" altLang="en-US" dirty="0"/>
+              <a:t> 를 이용하여</a:t>
+            </a:r>
+            <a:endParaRPr lang="en-US" altLang="ko-KR" dirty="0"/>
+          </a:p>
+          <a:p>
+            <a:r>
+              <a:rPr lang="ko-KR" altLang="en-US" dirty="0"/>
+              <a:t>어떻게 화면을 개발하고</a:t>
+            </a:r>
+            <a:r>
+              <a:rPr lang="en-US" altLang="ko-KR" dirty="0"/>
+              <a:t> </a:t>
+            </a:r>
+            <a:r>
+              <a:rPr lang="ko-KR" altLang="en-US" dirty="0"/>
+              <a:t>제어하고</a:t>
+            </a:r>
+            <a:r>
+              <a:rPr lang="en-US" altLang="ko-KR" dirty="0"/>
+              <a:t>, </a:t>
+            </a:r>
+            <a:r>
+              <a:rPr lang="ko-KR" altLang="en-US" dirty="0"/>
+              <a:t>서버와 통신하는지 그 방법에 대해서 하나씩 영상을 올릴 예정입니다</a:t>
+            </a:r>
+            <a:r>
+              <a:rPr lang="en-US" altLang="ko-KR" dirty="0"/>
+              <a:t>.</a:t>
+            </a:r>
+          </a:p>
+          <a:p>
+            <a:endParaRPr lang="en-US" altLang="ko-KR" dirty="0"/>
+          </a:p>
+        </p:txBody>
+      </p:sp>
+      <p:sp>
+        <p:nvSpPr>
+          <p:cNvPr id="4" name="슬라이드 번호 개체 틀 3"/>
+          <p:cNvSpPr>
+            <a:spLocks noGrp="1"/>
+          </p:cNvSpPr>
+          <p:nvPr>
+            <p:ph type="sldNum" sz="quarter" idx="5"/>
+          </p:nvPr>
+        </p:nvSpPr>
+        <p:spPr/>
+        <p:txBody>
+          <a:bodyPr/>
+          <a:lstStyle/>
+          <a:p>
+            <a:fld id="{200D8D39-4D53-4ABF-870C-70BC023266F2}" type="slidenum">
+              <a:rPr lang="ko-KR" altLang="en-US" smtClean="0"/>
+              <a:t>1</a:t>
+            </a:fld>
+            <a:endParaRPr lang="ko-KR" altLang="en-US"/>
+          </a:p>
+        </p:txBody>
+      </p:sp>
+    </p:spTree>
+    <p:extLst>
+      <p:ext uri="{BB962C8B-B14F-4D97-AF65-F5344CB8AC3E}">
+        <p14:creationId xmlns:p14="http://schemas.microsoft.com/office/powerpoint/2010/main" val="2629117014"/>
+      </p:ext>
+    </p:extLst>
+  </p:cSld>
+  <p:clrMapOvr>
+    <a:masterClrMapping/>
+  </p:clrMapOvr>
+</p:notes>
+</file>
+
+<file path=ppt/notesSlides/notesSlide2.xml><?xml version="1.0" encoding="utf-8"?>
+<p:notes xmlns:a="http://schemas.openxmlformats.org/drawingml/2006/main" xmlns:r="http://schemas.openxmlformats.org/officeDocument/2006/relationships" xmlns:p="http://schemas.openxmlformats.org/presentationml/2006/main">
+  <p:cSld>
+    <p:spTree>
+      <p:nvGrpSpPr>
+        <p:cNvPr id="1" name=""/>
+        <p:cNvGrpSpPr/>
+        <p:nvPr/>
+      </p:nvGrpSpPr>
+      <p:grpSpPr>
+        <a:xfrm>
+          <a:off x="0" y="0"/>
+          <a:ext cx="0" cy="0"/>
+          <a:chOff x="0" y="0"/>
+          <a:chExt cx="0" cy="0"/>
+        </a:xfrm>
+      </p:grpSpPr>
+      <p:sp>
+        <p:nvSpPr>
+          <p:cNvPr id="2" name="슬라이드 이미지 개체 틀 1"/>
+          <p:cNvSpPr>
+            <a:spLocks noGrp="1" noRot="1" noChangeAspect="1"/>
+          </p:cNvSpPr>
+          <p:nvPr>
+            <p:ph type="sldImg"/>
+          </p:nvPr>
+        </p:nvSpPr>
+        <p:spPr/>
+      </p:sp>
+      <p:sp>
+        <p:nvSpPr>
+          <p:cNvPr id="3" name="슬라이드 노트 개체 틀 2"/>
+          <p:cNvSpPr>
+            <a:spLocks noGrp="1"/>
+          </p:cNvSpPr>
+          <p:nvPr>
+            <p:ph type="body" idx="1"/>
+          </p:nvPr>
+        </p:nvSpPr>
+        <p:spPr/>
+        <p:txBody>
+          <a:bodyPr/>
+          <a:lstStyle/>
+          <a:p>
+            <a:r>
+              <a:rPr lang="ko-KR" altLang="en-US" dirty="0"/>
+              <a:t>이 영상은</a:t>
+            </a:r>
+            <a:r>
+              <a:rPr lang="en-US" altLang="ko-KR" dirty="0"/>
+              <a:t> </a:t>
+            </a:r>
+            <a:r>
+              <a:rPr lang="en-US" altLang="ko-KR" dirty="0" err="1"/>
+              <a:t>smartsuite</a:t>
+            </a:r>
+            <a:r>
+              <a:rPr lang="en-US" altLang="ko-KR" dirty="0"/>
+              <a:t> 9.1 </a:t>
+            </a:r>
+            <a:r>
+              <a:rPr lang="ko-KR" altLang="en-US" dirty="0"/>
+              <a:t>을 처음 접하는 웹 개발자를 대상으로 합니다</a:t>
+            </a:r>
+            <a:r>
+              <a:rPr lang="en-US" altLang="ko-KR" dirty="0"/>
+              <a:t>.</a:t>
+            </a:r>
+          </a:p>
+          <a:p>
+            <a:r>
+              <a:rPr lang="ko-KR" altLang="en-US" dirty="0"/>
+              <a:t>사실 웹 개발자라고 해도</a:t>
+            </a:r>
+            <a:r>
+              <a:rPr lang="en-US" altLang="ko-KR" dirty="0"/>
+              <a:t>, </a:t>
+            </a:r>
+            <a:r>
+              <a:rPr lang="ko-KR" altLang="en-US" dirty="0"/>
+              <a:t>현직 웹 개발자일수도 있고요</a:t>
+            </a:r>
+            <a:r>
+              <a:rPr lang="en-US" altLang="ko-KR" dirty="0"/>
+              <a:t>, </a:t>
+            </a:r>
+            <a:r>
+              <a:rPr lang="ko-KR" altLang="en-US" dirty="0"/>
+              <a:t>웹이 조금 생소한 분들일 수 도 있고</a:t>
+            </a:r>
+            <a:r>
+              <a:rPr lang="en-US" altLang="ko-KR" dirty="0"/>
+              <a:t>,</a:t>
+            </a:r>
+          </a:p>
+          <a:p>
+            <a:r>
+              <a:rPr lang="ko-KR" altLang="en-US" dirty="0"/>
+              <a:t>웹 개발을 처음 접하시는 분도 있습니다</a:t>
+            </a:r>
+            <a:r>
+              <a:rPr lang="en-US" altLang="ko-KR" dirty="0"/>
+              <a:t>.</a:t>
+            </a:r>
+          </a:p>
+          <a:p>
+            <a:r>
+              <a:rPr lang="ko-KR" altLang="en-US" dirty="0"/>
+              <a:t>이처럼 기술레벨이 다양하기 때문에 모두를 만족 시킬 수 는 없겠지만</a:t>
+            </a:r>
+            <a:r>
+              <a:rPr lang="en-US" altLang="ko-KR" dirty="0"/>
+              <a:t>, </a:t>
+            </a:r>
+            <a:r>
+              <a:rPr lang="ko-KR" altLang="en-US" dirty="0"/>
+              <a:t>그래도 조금은 눈높이를 낮춰서 영상을 제작할 계획입니다</a:t>
+            </a:r>
+            <a:r>
+              <a:rPr lang="en-US" altLang="ko-KR" dirty="0"/>
+              <a:t>.</a:t>
+            </a:r>
+          </a:p>
+          <a:p>
+            <a:r>
+              <a:rPr lang="ko-KR" altLang="en-US" dirty="0"/>
+              <a:t>이부분에 대해서는 먼저 양해를 부탁드리고요</a:t>
+            </a:r>
+            <a:r>
+              <a:rPr lang="en-US" altLang="ko-KR" dirty="0"/>
+              <a:t>,</a:t>
+            </a:r>
+          </a:p>
+          <a:p>
+            <a:r>
+              <a:rPr lang="ko-KR" altLang="en-US" dirty="0"/>
+              <a:t>본인 레벨에서 너</a:t>
+            </a:r>
+            <a:r>
+              <a:rPr lang="en-US" altLang="ko-KR" dirty="0"/>
+              <a:t>-</a:t>
+            </a:r>
+            <a:r>
+              <a:rPr lang="ko-KR" altLang="en-US" dirty="0"/>
+              <a:t>무 기초적이고 당연한 얘기가 나오면 과감히 </a:t>
+            </a:r>
+            <a:r>
+              <a:rPr lang="ko-KR" altLang="en-US" dirty="0" err="1"/>
+              <a:t>스킵을</a:t>
+            </a:r>
+            <a:r>
+              <a:rPr lang="ko-KR" altLang="en-US" dirty="0"/>
+              <a:t> 해주시면 감사하겠습니다</a:t>
+            </a:r>
+            <a:r>
+              <a:rPr lang="en-US" altLang="ko-KR" dirty="0"/>
+              <a:t>.</a:t>
+            </a:r>
+          </a:p>
+        </p:txBody>
+      </p:sp>
+      <p:sp>
+        <p:nvSpPr>
+          <p:cNvPr id="4" name="슬라이드 번호 개체 틀 3"/>
+          <p:cNvSpPr>
+            <a:spLocks noGrp="1"/>
+          </p:cNvSpPr>
+          <p:nvPr>
+            <p:ph type="sldNum" sz="quarter" idx="5"/>
+          </p:nvPr>
+        </p:nvSpPr>
+        <p:spPr/>
+        <p:txBody>
+          <a:bodyPr/>
+          <a:lstStyle/>
+          <a:p>
+            <a:fld id="{200D8D39-4D53-4ABF-870C-70BC023266F2}" type="slidenum">
+              <a:rPr lang="ko-KR" altLang="en-US" smtClean="0"/>
+              <a:t>2</a:t>
+            </a:fld>
+            <a:endParaRPr lang="ko-KR" altLang="en-US"/>
+          </a:p>
+        </p:txBody>
+      </p:sp>
+    </p:spTree>
+    <p:extLst>
+      <p:ext uri="{BB962C8B-B14F-4D97-AF65-F5344CB8AC3E}">
+        <p14:creationId xmlns:p14="http://schemas.microsoft.com/office/powerpoint/2010/main" val="2853513054"/>
+      </p:ext>
+    </p:extLst>
+  </p:cSld>
+  <p:clrMapOvr>
+    <a:masterClrMapping/>
+  </p:clrMapOvr>
+</p:notes>
+</file>
+
+<file path=ppt/notesSlides/notesSlide3.xml><?xml version="1.0" encoding="utf-8"?>
+<p:notes xmlns:a="http://schemas.openxmlformats.org/drawingml/2006/main" xmlns:r="http://schemas.openxmlformats.org/officeDocument/2006/relationships" xmlns:p="http://schemas.openxmlformats.org/presentationml/2006/main">
+  <p:cSld>
+    <p:spTree>
+      <p:nvGrpSpPr>
+        <p:cNvPr id="1" name=""/>
+        <p:cNvGrpSpPr/>
+        <p:nvPr/>
+      </p:nvGrpSpPr>
+      <p:grpSpPr>
+        <a:xfrm>
+          <a:off x="0" y="0"/>
+          <a:ext cx="0" cy="0"/>
+          <a:chOff x="0" y="0"/>
+          <a:chExt cx="0" cy="0"/>
+        </a:xfrm>
+      </p:grpSpPr>
+      <p:sp>
+        <p:nvSpPr>
+          <p:cNvPr id="2" name="슬라이드 이미지 개체 틀 1"/>
+          <p:cNvSpPr>
+            <a:spLocks noGrp="1" noRot="1" noChangeAspect="1"/>
+          </p:cNvSpPr>
+          <p:nvPr>
+            <p:ph type="sldImg"/>
+          </p:nvPr>
+        </p:nvSpPr>
+        <p:spPr/>
+      </p:sp>
+      <p:sp>
+        <p:nvSpPr>
+          <p:cNvPr id="3" name="슬라이드 노트 개체 틀 2"/>
+          <p:cNvSpPr>
+            <a:spLocks noGrp="1"/>
+          </p:cNvSpPr>
+          <p:nvPr>
+            <p:ph type="body" idx="1"/>
+          </p:nvPr>
+        </p:nvSpPr>
+        <p:spPr/>
+        <p:txBody>
+          <a:bodyPr/>
+          <a:lstStyle/>
+          <a:p>
+            <a:r>
+              <a:rPr lang="ko-KR" altLang="en-US" dirty="0"/>
+              <a:t>다음</a:t>
+            </a:r>
+            <a:r>
+              <a:rPr lang="en-US" altLang="ko-KR" dirty="0"/>
+              <a:t>,</a:t>
+            </a:r>
+            <a:r>
+              <a:rPr lang="ko-KR" altLang="en-US" dirty="0"/>
+              <a:t> 선수지식으로는 웹 애플리케이션 기초</a:t>
+            </a:r>
+            <a:r>
+              <a:rPr lang="en-US" altLang="ko-KR" dirty="0"/>
+              <a:t>, </a:t>
+            </a:r>
+            <a:r>
+              <a:rPr lang="en-US" altLang="ko-KR" dirty="0" err="1"/>
+              <a:t>javascript</a:t>
+            </a:r>
+            <a:r>
+              <a:rPr lang="en-US" altLang="ko-KR" dirty="0"/>
+              <a:t> </a:t>
+            </a:r>
+            <a:r>
+              <a:rPr lang="ko-KR" altLang="en-US" dirty="0"/>
+              <a:t>의 기초지식</a:t>
+            </a:r>
+            <a:r>
+              <a:rPr lang="en-US" altLang="ko-KR" dirty="0"/>
+              <a:t>,</a:t>
+            </a:r>
+          </a:p>
+          <a:p>
+            <a:r>
+              <a:rPr lang="en-US" altLang="ko-KR" dirty="0"/>
+              <a:t>Polymer</a:t>
+            </a:r>
+            <a:r>
+              <a:rPr lang="ko-KR" altLang="en-US" dirty="0"/>
+              <a:t>라이브러리 사용에 대한 아주 얕은 이해면 충분하고요</a:t>
+            </a:r>
+            <a:r>
+              <a:rPr lang="en-US" altLang="ko-KR" dirty="0"/>
+              <a:t>,</a:t>
+            </a:r>
+          </a:p>
+          <a:p>
+            <a:r>
+              <a:rPr lang="ko-KR" altLang="en-US" dirty="0"/>
+              <a:t>그리고 </a:t>
+            </a:r>
+            <a:r>
+              <a:rPr lang="en-US" altLang="ko-KR" dirty="0"/>
+              <a:t>Spring </a:t>
+            </a:r>
+            <a:r>
+              <a:rPr lang="ko-KR" altLang="en-US" dirty="0"/>
+              <a:t>프레임워크에 대한 지식을 전제로 합니다</a:t>
+            </a:r>
+            <a:r>
+              <a:rPr lang="en-US" altLang="ko-KR" dirty="0"/>
+              <a:t>.</a:t>
+            </a:r>
+          </a:p>
+          <a:p>
+            <a:r>
+              <a:rPr lang="ko-KR" altLang="en-US" dirty="0"/>
+              <a:t>그래서 이전에 올린 </a:t>
+            </a:r>
+            <a:r>
+              <a:rPr lang="en-US" altLang="ko-KR" dirty="0"/>
+              <a:t>polymer </a:t>
+            </a:r>
+            <a:r>
+              <a:rPr lang="ko-KR" altLang="en-US" dirty="0"/>
+              <a:t>영상과 </a:t>
+            </a:r>
+            <a:r>
+              <a:rPr lang="en-US" altLang="ko-KR" dirty="0"/>
+              <a:t>spring </a:t>
+            </a:r>
+            <a:r>
+              <a:rPr lang="ko-KR" altLang="en-US" dirty="0"/>
+              <a:t>관련 영상을 보시고</a:t>
+            </a:r>
+            <a:r>
+              <a:rPr lang="en-US" altLang="ko-KR" dirty="0"/>
+              <a:t> </a:t>
+            </a:r>
+            <a:r>
+              <a:rPr lang="ko-KR" altLang="en-US" dirty="0"/>
+              <a:t>이번 기초교육영상을 보시면 더욱 도움이 될 것 같습니다</a:t>
+            </a:r>
+            <a:r>
+              <a:rPr lang="en-US" altLang="ko-KR" dirty="0"/>
+              <a:t>.</a:t>
+            </a:r>
+          </a:p>
+          <a:p>
+            <a:endParaRPr lang="en-US" altLang="ko-KR" dirty="0"/>
+          </a:p>
+          <a:p>
+            <a:r>
+              <a:rPr lang="ko-KR" altLang="en-US" dirty="0"/>
+              <a:t>사실 </a:t>
+            </a:r>
+            <a:r>
+              <a:rPr lang="ko-KR" altLang="en-US" dirty="0" err="1"/>
+              <a:t>선수지식이라고는</a:t>
+            </a:r>
+            <a:r>
+              <a:rPr lang="ko-KR" altLang="en-US" dirty="0"/>
+              <a:t> 했지만</a:t>
+            </a:r>
+            <a:r>
+              <a:rPr lang="en-US" altLang="ko-KR" dirty="0"/>
+              <a:t>, </a:t>
+            </a:r>
+            <a:r>
+              <a:rPr lang="ko-KR" altLang="en-US" dirty="0"/>
+              <a:t>웹 애플리케이션 개발자라면 알아야하는 </a:t>
+            </a:r>
+            <a:r>
+              <a:rPr lang="ko-KR" altLang="en-US" dirty="0" err="1"/>
+              <a:t>기술스펙이라</a:t>
+            </a:r>
+            <a:r>
+              <a:rPr lang="ko-KR" altLang="en-US" dirty="0"/>
+              <a:t> 항상 </a:t>
+            </a:r>
+            <a:r>
+              <a:rPr lang="ko-KR" altLang="en-US" dirty="0" err="1"/>
+              <a:t>공부해야하는</a:t>
+            </a:r>
+            <a:r>
+              <a:rPr lang="ko-KR" altLang="en-US" dirty="0"/>
+              <a:t> 부분이기도 합니다</a:t>
+            </a:r>
+            <a:r>
+              <a:rPr lang="en-US" altLang="ko-KR" dirty="0"/>
+              <a:t>.</a:t>
+            </a:r>
+          </a:p>
+          <a:p>
+            <a:r>
+              <a:rPr lang="ko-KR" altLang="en-US" dirty="0"/>
+              <a:t>그래서 이 기술들을 다 익히고 이 영상을 보시면 물론 좋겠지만</a:t>
+            </a:r>
+            <a:r>
+              <a:rPr lang="en-US" altLang="ko-KR" dirty="0"/>
+              <a:t>,</a:t>
+            </a:r>
+          </a:p>
+          <a:p>
+            <a:r>
+              <a:rPr lang="ko-KR" altLang="en-US" dirty="0"/>
+              <a:t>개발을 시작할 수 있는 정도의 기초지식만 알고 계셔도 충분하고요</a:t>
+            </a:r>
+            <a:r>
+              <a:rPr lang="en-US" altLang="ko-KR" dirty="0"/>
+              <a:t>, </a:t>
+            </a:r>
+            <a:r>
+              <a:rPr lang="ko-KR" altLang="en-US" dirty="0"/>
+              <a:t>이 영상을 통해서 좀더 깊게 공부할 수 있는 동기를 얻었으면 합니다</a:t>
+            </a:r>
+            <a:r>
+              <a:rPr lang="en-US" altLang="ko-KR" dirty="0"/>
+              <a:t>.</a:t>
+            </a:r>
+          </a:p>
+          <a:p>
+            <a:endParaRPr lang="ko-KR" altLang="en-US" dirty="0"/>
+          </a:p>
+        </p:txBody>
+      </p:sp>
+      <p:sp>
+        <p:nvSpPr>
+          <p:cNvPr id="4" name="슬라이드 번호 개체 틀 3"/>
+          <p:cNvSpPr>
+            <a:spLocks noGrp="1"/>
+          </p:cNvSpPr>
+          <p:nvPr>
+            <p:ph type="sldNum" sz="quarter" idx="5"/>
+          </p:nvPr>
+        </p:nvSpPr>
+        <p:spPr/>
+        <p:txBody>
+          <a:bodyPr/>
+          <a:lstStyle/>
+          <a:p>
+            <a:fld id="{200D8D39-4D53-4ABF-870C-70BC023266F2}" type="slidenum">
+              <a:rPr lang="ko-KR" altLang="en-US" smtClean="0"/>
+              <a:t>3</a:t>
+            </a:fld>
+            <a:endParaRPr lang="ko-KR" altLang="en-US"/>
+          </a:p>
+        </p:txBody>
+      </p:sp>
+    </p:spTree>
+    <p:extLst>
+      <p:ext uri="{BB962C8B-B14F-4D97-AF65-F5344CB8AC3E}">
+        <p14:creationId xmlns:p14="http://schemas.microsoft.com/office/powerpoint/2010/main" val="1525524604"/>
+      </p:ext>
+    </p:extLst>
+  </p:cSld>
+  <p:clrMapOvr>
+    <a:masterClrMapping/>
+  </p:clrMapOvr>
+</p:notes>
+</file>
+
+<file path=ppt/notesSlides/notesSlide4.xml><?xml version="1.0" encoding="utf-8"?>
+<p:notes xmlns:a="http://schemas.openxmlformats.org/drawingml/2006/main" xmlns:r="http://schemas.openxmlformats.org/officeDocument/2006/relationships" xmlns:p="http://schemas.openxmlformats.org/presentationml/2006/main">
+  <p:cSld>
+    <p:spTree>
+      <p:nvGrpSpPr>
+        <p:cNvPr id="1" name=""/>
+        <p:cNvGrpSpPr/>
+        <p:nvPr/>
+      </p:nvGrpSpPr>
+      <p:grpSpPr>
+        <a:xfrm>
+          <a:off x="0" y="0"/>
+          <a:ext cx="0" cy="0"/>
+          <a:chOff x="0" y="0"/>
+          <a:chExt cx="0" cy="0"/>
+        </a:xfrm>
+      </p:grpSpPr>
+      <p:sp>
+        <p:nvSpPr>
+          <p:cNvPr id="2" name="슬라이드 이미지 개체 틀 1"/>
+          <p:cNvSpPr>
+            <a:spLocks noGrp="1" noRot="1" noChangeAspect="1"/>
+          </p:cNvSpPr>
+          <p:nvPr>
+            <p:ph type="sldImg"/>
+          </p:nvPr>
+        </p:nvSpPr>
+        <p:spPr/>
+      </p:sp>
+      <p:sp>
+        <p:nvSpPr>
+          <p:cNvPr id="3" name="슬라이드 노트 개체 틀 2"/>
+          <p:cNvSpPr>
+            <a:spLocks noGrp="1"/>
+          </p:cNvSpPr>
+          <p:nvPr>
+            <p:ph type="body" idx="1"/>
+          </p:nvPr>
+        </p:nvSpPr>
+        <p:spPr/>
+        <p:txBody>
+          <a:bodyPr/>
+          <a:lstStyle/>
+          <a:p>
+            <a:r>
+              <a:rPr lang="ko-KR" altLang="en-US" dirty="0"/>
+              <a:t>그러면 먼저 </a:t>
+            </a:r>
+            <a:endParaRPr lang="en-US" altLang="ko-KR" dirty="0"/>
+          </a:p>
+          <a:p>
+            <a:r>
+              <a:rPr lang="ko-KR" altLang="en-US" dirty="0"/>
+              <a:t>다양한 아키텍처 패턴이 있지만</a:t>
+            </a:r>
+            <a:r>
+              <a:rPr lang="en-US" altLang="ko-KR" dirty="0"/>
+              <a:t>,</a:t>
+            </a:r>
+          </a:p>
+          <a:p>
+            <a:r>
+              <a:rPr lang="ko-KR" altLang="en-US" dirty="0"/>
+              <a:t>웹 애플리케이션에서 자주 사용되는 레이어 아키텍처 기반으로 </a:t>
+            </a:r>
+            <a:r>
+              <a:rPr lang="en-US" altLang="ko-KR" dirty="0"/>
+              <a:t>smartsuite9.1</a:t>
+            </a:r>
+            <a:r>
+              <a:rPr lang="ko-KR" altLang="en-US" dirty="0"/>
+              <a:t>을 구성하는 </a:t>
+            </a:r>
+            <a:r>
+              <a:rPr lang="en-US" altLang="ko-KR" dirty="0"/>
+              <a:t>framework </a:t>
+            </a:r>
+            <a:r>
+              <a:rPr lang="ko-KR" altLang="en-US" dirty="0"/>
+              <a:t>를 살펴보면</a:t>
+            </a:r>
+            <a:r>
+              <a:rPr lang="en-US" altLang="ko-KR" dirty="0"/>
+              <a:t>,</a:t>
+            </a:r>
+          </a:p>
+          <a:p>
+            <a:r>
+              <a:rPr lang="en-US" altLang="ko-KR" dirty="0"/>
+              <a:t>UI </a:t>
+            </a:r>
+            <a:r>
+              <a:rPr lang="ko-KR" altLang="en-US" dirty="0"/>
+              <a:t>레이어에서는 </a:t>
+            </a:r>
+            <a:r>
+              <a:rPr lang="en-US" altLang="ko-KR" dirty="0" err="1"/>
+              <a:t>javascript</a:t>
+            </a:r>
+            <a:r>
+              <a:rPr lang="en-US" altLang="ko-KR" dirty="0"/>
+              <a:t> </a:t>
+            </a:r>
+            <a:r>
+              <a:rPr lang="ko-KR" altLang="en-US" dirty="0"/>
+              <a:t>기반의 </a:t>
+            </a:r>
+            <a:r>
+              <a:rPr lang="en-US" altLang="ko-KR" dirty="0" err="1"/>
+              <a:t>WebComponent</a:t>
+            </a:r>
+            <a:r>
+              <a:rPr lang="en-US" altLang="ko-KR" dirty="0"/>
+              <a:t> </a:t>
+            </a:r>
+            <a:r>
+              <a:rPr lang="ko-KR" altLang="en-US" dirty="0"/>
+              <a:t>스펙으로 구성되어 있고</a:t>
+            </a:r>
+            <a:r>
+              <a:rPr lang="en-US" altLang="ko-KR" dirty="0"/>
+              <a:t>,</a:t>
+            </a:r>
+          </a:p>
+          <a:p>
+            <a:r>
+              <a:rPr lang="ko-KR" altLang="en-US" dirty="0"/>
+              <a:t>프레젠테이션 레이어 에서는 </a:t>
+            </a:r>
+            <a:r>
+              <a:rPr lang="en-US" altLang="ko-KR" dirty="0"/>
+              <a:t>Spring MVC </a:t>
+            </a:r>
+            <a:r>
+              <a:rPr lang="ko-KR" altLang="en-US" dirty="0"/>
+              <a:t>객체가 해당이 되고</a:t>
+            </a:r>
+            <a:endParaRPr lang="en-US" altLang="ko-KR" dirty="0"/>
+          </a:p>
+          <a:p>
+            <a:r>
+              <a:rPr lang="ko-KR" altLang="en-US" dirty="0"/>
+              <a:t>비즈니스 로직 레이어는 실제 비즈니스 로직을 수행하는 컴포넌트를 의미하는 </a:t>
+            </a:r>
+            <a:r>
+              <a:rPr lang="en-US" altLang="ko-KR" dirty="0"/>
+              <a:t>Service</a:t>
+            </a:r>
+            <a:r>
+              <a:rPr lang="ko-KR" altLang="en-US" dirty="0"/>
+              <a:t>객체</a:t>
+            </a:r>
+            <a:r>
+              <a:rPr lang="en-US" altLang="ko-KR" dirty="0"/>
+              <a:t> </a:t>
+            </a:r>
+            <a:r>
+              <a:rPr lang="ko-KR" altLang="en-US" dirty="0"/>
+              <a:t>를 의미합니다</a:t>
+            </a:r>
+            <a:r>
+              <a:rPr lang="en-US" altLang="ko-KR" dirty="0"/>
+              <a:t>.</a:t>
+            </a:r>
+          </a:p>
+          <a:p>
+            <a:r>
+              <a:rPr lang="ko-KR" altLang="en-US" dirty="0"/>
+              <a:t>그리고 </a:t>
+            </a:r>
+            <a:r>
+              <a:rPr lang="ko-KR" altLang="en-US" dirty="0" err="1"/>
+              <a:t>데이터액세스레이어라고</a:t>
+            </a:r>
+            <a:r>
+              <a:rPr lang="ko-KR" altLang="en-US" dirty="0"/>
+              <a:t> 표현되기도 하는 자원접근 레이어는 </a:t>
+            </a:r>
+            <a:r>
+              <a:rPr lang="en-US" altLang="ko-KR" dirty="0"/>
+              <a:t>spring </a:t>
+            </a:r>
+            <a:r>
+              <a:rPr lang="en-US" altLang="ko-KR" dirty="0" err="1"/>
+              <a:t>mybatis</a:t>
+            </a:r>
+            <a:r>
+              <a:rPr lang="en-US" altLang="ko-KR" dirty="0"/>
+              <a:t> </a:t>
+            </a:r>
+            <a:r>
+              <a:rPr lang="ko-KR" altLang="en-US" dirty="0"/>
+              <a:t>연동으로 </a:t>
+            </a:r>
+            <a:r>
+              <a:rPr lang="ko-KR" altLang="en-US" dirty="0" err="1"/>
+              <a:t>구현되어있고</a:t>
+            </a:r>
+            <a:r>
+              <a:rPr lang="en-US" altLang="ko-KR" dirty="0"/>
+              <a:t>,</a:t>
+            </a:r>
+          </a:p>
+          <a:p>
+            <a:r>
+              <a:rPr lang="ko-KR" altLang="en-US" dirty="0"/>
+              <a:t>데이터 레이어는 관계형 데이터 베이스로 구성 되어 집니다</a:t>
+            </a:r>
+            <a:r>
+              <a:rPr lang="en-US" altLang="ko-KR" dirty="0"/>
+              <a:t>.</a:t>
+            </a:r>
+          </a:p>
+          <a:p>
+            <a:endParaRPr lang="en-US" altLang="ko-KR" dirty="0"/>
+          </a:p>
+          <a:p>
+            <a:endParaRPr lang="ko-KR" altLang="en-US" dirty="0"/>
+          </a:p>
+        </p:txBody>
+      </p:sp>
+      <p:sp>
+        <p:nvSpPr>
+          <p:cNvPr id="4" name="슬라이드 번호 개체 틀 3"/>
+          <p:cNvSpPr>
+            <a:spLocks noGrp="1"/>
+          </p:cNvSpPr>
+          <p:nvPr>
+            <p:ph type="sldNum" sz="quarter" idx="5"/>
+          </p:nvPr>
+        </p:nvSpPr>
+        <p:spPr/>
+        <p:txBody>
+          <a:bodyPr/>
+          <a:lstStyle/>
+          <a:p>
+            <a:fld id="{200D8D39-4D53-4ABF-870C-70BC023266F2}" type="slidenum">
+              <a:rPr lang="ko-KR" altLang="en-US" smtClean="0"/>
+              <a:t>4</a:t>
+            </a:fld>
+            <a:endParaRPr lang="ko-KR" altLang="en-US"/>
+          </a:p>
+        </p:txBody>
+      </p:sp>
+    </p:spTree>
+    <p:extLst>
+      <p:ext uri="{BB962C8B-B14F-4D97-AF65-F5344CB8AC3E}">
+        <p14:creationId xmlns:p14="http://schemas.microsoft.com/office/powerpoint/2010/main" val="486643080"/>
+      </p:ext>
+    </p:extLst>
+  </p:cSld>
+  <p:clrMapOvr>
+    <a:masterClrMapping/>
+  </p:clrMapOvr>
+</p:notes>
+</file>
+
+<file path=ppt/notesSlides/notesSlide5.xml><?xml version="1.0" encoding="utf-8"?>
+<p:notes xmlns:a="http://schemas.openxmlformats.org/drawingml/2006/main" xmlns:r="http://schemas.openxmlformats.org/officeDocument/2006/relationships" xmlns:p="http://schemas.openxmlformats.org/presentationml/2006/main">
+  <p:cSld>
+    <p:spTree>
+      <p:nvGrpSpPr>
+        <p:cNvPr id="1" name=""/>
+        <p:cNvGrpSpPr/>
+        <p:nvPr/>
+      </p:nvGrpSpPr>
+      <p:grpSpPr>
+        <a:xfrm>
+          <a:off x="0" y="0"/>
+          <a:ext cx="0" cy="0"/>
+          <a:chOff x="0" y="0"/>
+          <a:chExt cx="0" cy="0"/>
+        </a:xfrm>
+      </p:grpSpPr>
+      <p:sp>
+        <p:nvSpPr>
+          <p:cNvPr id="2" name="슬라이드 이미지 개체 틀 1"/>
+          <p:cNvSpPr>
+            <a:spLocks noGrp="1" noRot="1" noChangeAspect="1"/>
+          </p:cNvSpPr>
+          <p:nvPr>
+            <p:ph type="sldImg"/>
+          </p:nvPr>
+        </p:nvSpPr>
+        <p:spPr/>
+      </p:sp>
+      <p:sp>
+        <p:nvSpPr>
+          <p:cNvPr id="3" name="슬라이드 노트 개체 틀 2"/>
+          <p:cNvSpPr>
+            <a:spLocks noGrp="1"/>
+          </p:cNvSpPr>
+          <p:nvPr>
+            <p:ph type="body" idx="1"/>
+          </p:nvPr>
+        </p:nvSpPr>
+        <p:spPr/>
+        <p:txBody>
+          <a:bodyPr/>
+          <a:lstStyle/>
+          <a:p>
+            <a:r>
+              <a:rPr lang="ko-KR" altLang="en-US" dirty="0"/>
+              <a:t>정리해서 보면</a:t>
+            </a:r>
+            <a:r>
+              <a:rPr lang="en-US" altLang="ko-KR" dirty="0"/>
+              <a:t>,</a:t>
+            </a:r>
+          </a:p>
+          <a:p>
+            <a:r>
+              <a:rPr lang="ko-KR" altLang="en-US" dirty="0" err="1"/>
+              <a:t>프론트엔드</a:t>
+            </a:r>
+            <a:r>
+              <a:rPr lang="ko-KR" altLang="en-US" dirty="0"/>
+              <a:t> 영역은 표준 </a:t>
+            </a:r>
+            <a:r>
+              <a:rPr lang="ko-KR" altLang="en-US" dirty="0" err="1"/>
+              <a:t>웹컴포넌트를</a:t>
+            </a:r>
+            <a:r>
+              <a:rPr lang="ko-KR" altLang="en-US" dirty="0"/>
+              <a:t> 지원하는 폴리머 기반으로 구성되어 있고</a:t>
+            </a:r>
+            <a:r>
+              <a:rPr lang="en-US" altLang="ko-KR" dirty="0"/>
+              <a:t>,</a:t>
+            </a:r>
+          </a:p>
+          <a:p>
+            <a:r>
+              <a:rPr lang="ko-KR" altLang="en-US" dirty="0" err="1"/>
+              <a:t>백엔드</a:t>
+            </a:r>
+            <a:r>
+              <a:rPr lang="ko-KR" altLang="en-US" dirty="0"/>
+              <a:t> 영역은 </a:t>
+            </a:r>
+            <a:r>
+              <a:rPr lang="en-US" altLang="ko-KR" dirty="0"/>
+              <a:t>spring </a:t>
+            </a:r>
+            <a:r>
+              <a:rPr lang="ko-KR" altLang="en-US" dirty="0"/>
+              <a:t>프레임워크 </a:t>
+            </a:r>
+            <a:r>
+              <a:rPr lang="en-US" altLang="ko-KR" dirty="0"/>
+              <a:t>, </a:t>
+            </a:r>
+            <a:r>
+              <a:rPr lang="en-US" altLang="ko-KR" dirty="0" err="1"/>
+              <a:t>mybatis</a:t>
+            </a:r>
+            <a:r>
+              <a:rPr lang="en-US" altLang="ko-KR" dirty="0"/>
+              <a:t> </a:t>
+            </a:r>
+            <a:r>
+              <a:rPr lang="ko-KR" altLang="en-US" dirty="0"/>
+              <a:t>기반으로 </a:t>
+            </a:r>
+            <a:r>
+              <a:rPr lang="ko-KR" altLang="en-US" dirty="0" err="1"/>
+              <a:t>구현되어있습니다</a:t>
+            </a:r>
+            <a:r>
+              <a:rPr lang="en-US" altLang="ko-KR" dirty="0"/>
+              <a:t>.</a:t>
+            </a:r>
+          </a:p>
+          <a:p>
+            <a:endParaRPr lang="en-US" altLang="ko-KR" dirty="0"/>
+          </a:p>
+          <a:p>
+            <a:r>
+              <a:rPr lang="en-US" altLang="ko-KR" dirty="0"/>
+              <a:t>spring </a:t>
+            </a:r>
+            <a:r>
+              <a:rPr lang="en-US" altLang="ko-KR" dirty="0" err="1"/>
+              <a:t>mvc</a:t>
+            </a:r>
+            <a:r>
+              <a:rPr lang="ko-KR" altLang="en-US" dirty="0"/>
+              <a:t> 아키텍처 기반의 설계패턴으로 구현대상 항목을 보면</a:t>
+            </a:r>
+            <a:endParaRPr lang="en-US" altLang="ko-KR" dirty="0"/>
+          </a:p>
+          <a:p>
+            <a:r>
+              <a:rPr lang="en-US" altLang="ko-KR" dirty="0"/>
+              <a:t>View </a:t>
+            </a:r>
+            <a:r>
+              <a:rPr lang="ko-KR" altLang="en-US" dirty="0"/>
+              <a:t>역할은 </a:t>
+            </a:r>
+            <a:r>
+              <a:rPr lang="en-US" altLang="ko-KR" dirty="0" err="1"/>
+              <a:t>jsp</a:t>
+            </a:r>
+            <a:r>
+              <a:rPr lang="ko-KR" altLang="en-US" dirty="0"/>
+              <a:t>가 담당하지만</a:t>
+            </a:r>
+            <a:r>
+              <a:rPr lang="en-US" altLang="ko-KR" dirty="0"/>
+              <a:t> </a:t>
+            </a:r>
+            <a:r>
+              <a:rPr lang="ko-KR" altLang="en-US" dirty="0"/>
+              <a:t>그 안에서 화면을 표현하는 </a:t>
+            </a:r>
+            <a:r>
+              <a:rPr lang="en-US" altLang="ko-KR" dirty="0"/>
+              <a:t>html </a:t>
+            </a:r>
+            <a:r>
+              <a:rPr lang="ko-KR" altLang="en-US" dirty="0"/>
+              <a:t>형태로 개발을 진행합니다</a:t>
+            </a:r>
+            <a:r>
+              <a:rPr lang="en-US" altLang="ko-KR" dirty="0"/>
+              <a:t>.</a:t>
+            </a:r>
+          </a:p>
+          <a:p>
+            <a:r>
+              <a:rPr lang="ko-KR" altLang="en-US" dirty="0"/>
+              <a:t>다음 </a:t>
+            </a:r>
+            <a:r>
+              <a:rPr lang="en-US" altLang="ko-KR" dirty="0"/>
+              <a:t>controller </a:t>
+            </a:r>
+            <a:r>
+              <a:rPr lang="ko-KR" altLang="en-US" dirty="0"/>
+              <a:t>역할은 </a:t>
+            </a:r>
+            <a:r>
+              <a:rPr lang="en-US" altLang="ko-KR" dirty="0"/>
+              <a:t>Controller </a:t>
+            </a:r>
+            <a:r>
+              <a:rPr lang="ko-KR" altLang="en-US" dirty="0"/>
+              <a:t>에 해당하는 자바를 구현하고</a:t>
+            </a:r>
+            <a:r>
+              <a:rPr lang="en-US" altLang="ko-KR" dirty="0"/>
+              <a:t>,</a:t>
+            </a:r>
+          </a:p>
+          <a:p>
+            <a:r>
+              <a:rPr lang="en-US" altLang="ko-KR" dirty="0"/>
+              <a:t>Model </a:t>
+            </a:r>
+            <a:r>
+              <a:rPr lang="ko-KR" altLang="en-US" dirty="0"/>
+              <a:t>역할에서는 </a:t>
+            </a:r>
+            <a:r>
+              <a:rPr lang="en-US" altLang="ko-KR" dirty="0"/>
+              <a:t>Service </a:t>
+            </a:r>
+            <a:r>
+              <a:rPr lang="ko-KR" altLang="en-US" dirty="0"/>
+              <a:t>에 해당하는 자바</a:t>
+            </a:r>
+            <a:r>
+              <a:rPr lang="en-US" altLang="ko-KR" dirty="0"/>
+              <a:t>, </a:t>
+            </a:r>
+            <a:r>
+              <a:rPr lang="ko-KR" altLang="en-US" dirty="0"/>
+              <a:t>그리고 </a:t>
+            </a:r>
+            <a:r>
+              <a:rPr lang="en-US" altLang="ko-KR" dirty="0" err="1"/>
+              <a:t>mybatis</a:t>
+            </a:r>
+            <a:r>
+              <a:rPr lang="en-US" altLang="ko-KR" dirty="0"/>
+              <a:t> xml </a:t>
+            </a:r>
+            <a:r>
+              <a:rPr lang="ko-KR" altLang="en-US" dirty="0"/>
+              <a:t>파일을 작성합니다</a:t>
+            </a:r>
+            <a:r>
+              <a:rPr lang="en-US" altLang="ko-KR" dirty="0"/>
+              <a:t>.</a:t>
+            </a:r>
+          </a:p>
+          <a:p>
+            <a:endParaRPr lang="en-US" altLang="ko-KR" dirty="0"/>
+          </a:p>
+          <a:p>
+            <a:r>
+              <a:rPr lang="ko-KR" altLang="en-US" dirty="0"/>
+              <a:t>물론 일반적인 </a:t>
+            </a:r>
+            <a:r>
+              <a:rPr lang="en-US" altLang="ko-KR" dirty="0"/>
+              <a:t>spring framework </a:t>
+            </a:r>
+            <a:r>
+              <a:rPr lang="ko-KR" altLang="en-US" dirty="0"/>
+              <a:t>의 패턴은</a:t>
+            </a:r>
+            <a:endParaRPr lang="en-US" altLang="ko-KR" dirty="0"/>
+          </a:p>
+          <a:p>
+            <a:r>
+              <a:rPr lang="ko-KR" altLang="en-US" dirty="0"/>
+              <a:t>컨트롤러 다음 서비스 인터페이스 그리고</a:t>
+            </a:r>
+            <a:r>
+              <a:rPr lang="en-US" altLang="ko-KR" dirty="0"/>
+              <a:t>, </a:t>
+            </a:r>
+            <a:r>
+              <a:rPr lang="ko-KR" altLang="en-US" dirty="0"/>
+              <a:t>서비스 구현체</a:t>
+            </a:r>
+            <a:r>
+              <a:rPr lang="en-US" altLang="ko-KR" dirty="0"/>
+              <a:t>,</a:t>
+            </a:r>
+            <a:r>
+              <a:rPr lang="ko-KR" altLang="en-US" dirty="0"/>
+              <a:t> </a:t>
+            </a:r>
+            <a:r>
+              <a:rPr lang="en-US" altLang="ko-KR" dirty="0" err="1"/>
+              <a:t>dao</a:t>
+            </a:r>
+            <a:r>
+              <a:rPr lang="en-US" altLang="ko-KR" dirty="0"/>
+              <a:t>, mapper</a:t>
+            </a:r>
+            <a:r>
+              <a:rPr lang="ko-KR" altLang="en-US" dirty="0"/>
+              <a:t> 형태로 되지만</a:t>
+            </a:r>
+            <a:r>
+              <a:rPr lang="en-US" altLang="ko-KR" dirty="0"/>
+              <a:t>,</a:t>
+            </a:r>
+          </a:p>
+          <a:p>
+            <a:r>
+              <a:rPr lang="ko-KR" altLang="en-US" dirty="0"/>
+              <a:t>저희 솔루션에서는 불필요하다고 판단되는 요소를 제거하여</a:t>
+            </a:r>
+            <a:endParaRPr lang="en-US" altLang="ko-KR" dirty="0"/>
+          </a:p>
+          <a:p>
+            <a:r>
+              <a:rPr lang="ko-KR" altLang="en-US" dirty="0"/>
+              <a:t>컨트롤러 </a:t>
+            </a:r>
+            <a:r>
+              <a:rPr lang="en-US" altLang="ko-KR" dirty="0"/>
+              <a:t>-</a:t>
+            </a:r>
+            <a:r>
+              <a:rPr lang="ko-KR" altLang="en-US" dirty="0"/>
+              <a:t> 서비스 구현체 그리고 그 구현체에서 바로 </a:t>
+            </a:r>
+            <a:r>
+              <a:rPr lang="en-US" altLang="ko-KR" dirty="0" err="1"/>
+              <a:t>sqlSession</a:t>
+            </a:r>
+            <a:r>
+              <a:rPr lang="ko-KR" altLang="en-US" dirty="0"/>
+              <a:t>을 주입하여 </a:t>
+            </a:r>
+            <a:r>
+              <a:rPr lang="en-US" altLang="ko-KR" dirty="0"/>
+              <a:t>mapper xml </a:t>
+            </a:r>
+            <a:r>
+              <a:rPr lang="ko-KR" altLang="en-US" dirty="0"/>
+              <a:t>을 호출하도록 구현합니다</a:t>
+            </a:r>
+            <a:r>
+              <a:rPr lang="en-US" altLang="ko-KR" dirty="0"/>
+              <a:t>.</a:t>
+            </a:r>
+          </a:p>
+          <a:p>
+            <a:endParaRPr lang="en-US" altLang="ko-KR" dirty="0"/>
+          </a:p>
+          <a:p>
+            <a:endParaRPr lang="en-US" altLang="ko-KR" dirty="0"/>
+          </a:p>
+        </p:txBody>
+      </p:sp>
+      <p:sp>
+        <p:nvSpPr>
+          <p:cNvPr id="4" name="슬라이드 번호 개체 틀 3"/>
+          <p:cNvSpPr>
+            <a:spLocks noGrp="1"/>
+          </p:cNvSpPr>
+          <p:nvPr>
+            <p:ph type="sldNum" sz="quarter" idx="5"/>
+          </p:nvPr>
+        </p:nvSpPr>
+        <p:spPr/>
+        <p:txBody>
+          <a:bodyPr/>
+          <a:lstStyle/>
+          <a:p>
+            <a:fld id="{200D8D39-4D53-4ABF-870C-70BC023266F2}" type="slidenum">
+              <a:rPr lang="ko-KR" altLang="en-US" smtClean="0"/>
+              <a:t>5</a:t>
+            </a:fld>
+            <a:endParaRPr lang="ko-KR" altLang="en-US"/>
+          </a:p>
+        </p:txBody>
+      </p:sp>
+    </p:spTree>
+    <p:extLst>
+      <p:ext uri="{BB962C8B-B14F-4D97-AF65-F5344CB8AC3E}">
+        <p14:creationId xmlns:p14="http://schemas.microsoft.com/office/powerpoint/2010/main" val="2176822189"/>
+      </p:ext>
+    </p:extLst>
+  </p:cSld>
+  <p:clrMapOvr>
+    <a:masterClrMapping/>
+  </p:clrMapOvr>
+</p:notes>
+</file>
+
+<file path=ppt/notesSlides/notesSlide6.xml><?xml version="1.0" encoding="utf-8"?>
+<p:notes xmlns:a="http://schemas.openxmlformats.org/drawingml/2006/main" xmlns:r="http://schemas.openxmlformats.org/officeDocument/2006/relationships" xmlns:p="http://schemas.openxmlformats.org/presentationml/2006/main">
+  <p:cSld>
+    <p:spTree>
+      <p:nvGrpSpPr>
+        <p:cNvPr id="1" name=""/>
+        <p:cNvGrpSpPr/>
+        <p:nvPr/>
+      </p:nvGrpSpPr>
+      <p:grpSpPr>
+        <a:xfrm>
+          <a:off x="0" y="0"/>
+          <a:ext cx="0" cy="0"/>
+          <a:chOff x="0" y="0"/>
+          <a:chExt cx="0" cy="0"/>
+        </a:xfrm>
+      </p:grpSpPr>
+      <p:sp>
+        <p:nvSpPr>
+          <p:cNvPr id="2" name="슬라이드 이미지 개체 틀 1"/>
+          <p:cNvSpPr>
+            <a:spLocks noGrp="1" noRot="1" noChangeAspect="1"/>
+          </p:cNvSpPr>
+          <p:nvPr>
+            <p:ph type="sldImg"/>
+          </p:nvPr>
+        </p:nvSpPr>
+        <p:spPr/>
+      </p:sp>
+      <p:sp>
+        <p:nvSpPr>
+          <p:cNvPr id="3" name="슬라이드 노트 개체 틀 2"/>
+          <p:cNvSpPr>
+            <a:spLocks noGrp="1"/>
+          </p:cNvSpPr>
+          <p:nvPr>
+            <p:ph type="body" idx="1"/>
+          </p:nvPr>
+        </p:nvSpPr>
+        <p:spPr/>
+        <p:txBody>
+          <a:bodyPr/>
+          <a:lstStyle/>
+          <a:p>
+            <a:r>
+              <a:rPr lang="ko-KR" altLang="en-US" dirty="0"/>
+              <a:t>그러면 실제 </a:t>
+            </a:r>
+            <a:r>
+              <a:rPr lang="en-US" altLang="ko-KR" dirty="0"/>
+              <a:t>smartsuite9.1 </a:t>
+            </a:r>
+            <a:r>
+              <a:rPr lang="ko-KR" altLang="en-US" dirty="0"/>
+              <a:t>구동화면을 보도록 하겠습니다</a:t>
+            </a:r>
+            <a:r>
+              <a:rPr lang="en-US" altLang="ko-KR" dirty="0"/>
+              <a:t>.</a:t>
+            </a:r>
+            <a:endParaRPr lang="ko-KR" altLang="en-US" dirty="0"/>
+          </a:p>
+        </p:txBody>
+      </p:sp>
+      <p:sp>
+        <p:nvSpPr>
+          <p:cNvPr id="4" name="슬라이드 번호 개체 틀 3"/>
+          <p:cNvSpPr>
+            <a:spLocks noGrp="1"/>
+          </p:cNvSpPr>
+          <p:nvPr>
+            <p:ph type="sldNum" sz="quarter" idx="5"/>
+          </p:nvPr>
+        </p:nvSpPr>
+        <p:spPr/>
+        <p:txBody>
+          <a:bodyPr/>
+          <a:lstStyle/>
+          <a:p>
+            <a:fld id="{200D8D39-4D53-4ABF-870C-70BC023266F2}" type="slidenum">
+              <a:rPr lang="ko-KR" altLang="en-US" smtClean="0"/>
+              <a:t>6</a:t>
+            </a:fld>
+            <a:endParaRPr lang="ko-KR" altLang="en-US"/>
+          </a:p>
+        </p:txBody>
+      </p:sp>
+    </p:spTree>
+    <p:extLst>
+      <p:ext uri="{BB962C8B-B14F-4D97-AF65-F5344CB8AC3E}">
+        <p14:creationId xmlns:p14="http://schemas.microsoft.com/office/powerpoint/2010/main" val="1746335587"/>
+      </p:ext>
+    </p:extLst>
+  </p:cSld>
+  <p:clrMapOvr>
+    <a:masterClrMapping/>
+  </p:clrMapOvr>
+</p:notes>
+</file>
+
 <file path=ppt/slideLayouts/slideLayout1.xml><?xml version="1.0" encoding="utf-8"?>
 <p:sldLayout xmlns:a="http://schemas.openxmlformats.org/drawingml/2006/main" xmlns:r="http://schemas.openxmlformats.org/officeDocument/2006/relationships" xmlns:p="http://schemas.openxmlformats.org/presentationml/2006/main" preserve="1" userDrawn="1">
   <p:cSld name="제목만">
@@ -510,10 +1917,9 @@
           <a:p>
             <a:pPr lvl="0"/>
             <a:r>
-              <a:rPr lang="ko-KR" altLang="en-US" dirty="0" smtClean="0"/>
+              <a:rPr lang="ko-KR" altLang="en-US" dirty="0"/>
               <a:t>솔루션그룹 김완섭</a:t>
             </a:r>
-            <a:endParaRPr lang="ko-KR" altLang="en-US" dirty="0"/>
           </a:p>
         </p:txBody>
       </p:sp>
@@ -533,10 +1939,9 @@
           <a:lstStyle/>
           <a:p>
             <a:r>
-              <a:rPr lang="ko-KR" altLang="en-US" smtClean="0"/>
+              <a:rPr lang="ko-KR" altLang="en-US"/>
               <a:t>마스터 제목 스타일 편집</a:t>
             </a:r>
-            <a:endParaRPr lang="ko-KR" altLang="en-US"/>
           </a:p>
         </p:txBody>
       </p:sp>
@@ -550,13 +1955,6 @@
   <p:clrMapOvr>
     <a:masterClrMapping/>
   </p:clrMapOvr>
-  <p:timing>
-    <p:tnLst>
-      <p:par>
-        <p:cTn id="1" dur="indefinite" restart="never" nodeType="tmRoot"/>
-      </p:par>
-    </p:tnLst>
-  </p:timing>
 </p:sldLayout>
 </file>
 
@@ -697,7 +2095,7 @@
           </a:lstStyle>
           <a:p>
             <a:pPr lvl="0"/>
-            <a:endParaRPr lang="ko-KR" altLang="en-US" dirty="0" smtClean="0"/>
+            <a:endParaRPr lang="ko-KR" altLang="en-US" dirty="0"/>
           </a:p>
         </p:txBody>
       </p:sp>
@@ -711,13 +2109,6 @@
   <p:clrMapOvr>
     <a:masterClrMapping/>
   </p:clrMapOvr>
-  <p:timing>
-    <p:tnLst>
-      <p:par>
-        <p:cTn id="1" dur="indefinite" restart="never" nodeType="tmRoot"/>
-      </p:par>
-    </p:tnLst>
-  </p:timing>
 </p:sldLayout>
 </file>
 
@@ -823,7 +2214,7 @@
           <a:p>
             <a:pPr lvl="0"/>
             <a:r>
-              <a:rPr lang="ko-KR" altLang="en-US" dirty="0" smtClean="0"/>
+              <a:rPr lang="ko-KR" altLang="en-US" dirty="0"/>
               <a:t>제목</a:t>
             </a:r>
           </a:p>
@@ -892,13 +2283,6 @@
   <p:clrMapOvr>
     <a:masterClrMapping/>
   </p:clrMapOvr>
-  <p:timing>
-    <p:tnLst>
-      <p:par>
-        <p:cTn id="1" dur="indefinite" restart="never" nodeType="tmRoot"/>
-      </p:par>
-    </p:tnLst>
-  </p:timing>
 </p:sldLayout>
 </file>
 
@@ -1067,10 +2451,9 @@
           <a:p>
             <a:pPr lvl="0"/>
             <a:r>
-              <a:rPr lang="ko-KR" altLang="en-US" dirty="0" smtClean="0"/>
+              <a:rPr lang="ko-KR" altLang="en-US" dirty="0"/>
               <a:t>솔루션그룹 김완섭</a:t>
             </a:r>
-            <a:endParaRPr lang="ko-KR" altLang="en-US" dirty="0"/>
           </a:p>
         </p:txBody>
       </p:sp>
@@ -1100,10 +2483,9 @@
           <a:lstStyle/>
           <a:p>
             <a:r>
-              <a:rPr lang="ko-KR" altLang="en-US" smtClean="0"/>
+              <a:rPr lang="ko-KR" altLang="en-US"/>
               <a:t>마스터 제목 스타일 편집</a:t>
             </a:r>
-            <a:endParaRPr lang="ko-KR" altLang="en-US"/>
           </a:p>
         </p:txBody>
       </p:sp>
@@ -1120,13 +2502,6 @@
     <p:sldLayoutId id="2147483650" r:id="rId2"/>
     <p:sldLayoutId id="2147483649" r:id="rId3"/>
   </p:sldLayoutIdLst>
-  <p:timing>
-    <p:tnLst>
-      <p:par>
-        <p:cTn id="1" dur="indefinite" restart="never" nodeType="tmRoot"/>
-      </p:par>
-    </p:tnLst>
-  </p:timing>
   <p:txStyles>
     <p:titleStyle>
       <a:lvl1pPr algn="ctr" defTabSz="914400" rtl="0" eaLnBrk="1" latinLnBrk="1" hangingPunct="1">
@@ -1420,7 +2795,7 @@
           <a:lstStyle/>
           <a:p>
             <a:r>
-              <a:rPr lang="en-US" altLang="ko-KR" sz="4400" dirty="0" smtClean="0">
+              <a:rPr lang="en-US" altLang="ko-KR" sz="4400" dirty="0">
                 <a:solidFill>
                   <a:srgbClr val="FF004C"/>
                 </a:solidFill>
@@ -1430,21 +2805,21 @@
               <a:t>01</a:t>
             </a:r>
             <a:r>
-              <a:rPr lang="en-US" altLang="ko-KR" sz="4400" dirty="0" smtClean="0">
+              <a:rPr lang="en-US" altLang="ko-KR" sz="4400" dirty="0">
                 <a:latin typeface="나눔스퀘어 Bold" pitchFamily="50" charset="-127"/>
                 <a:ea typeface="나눔스퀘어 Bold" pitchFamily="50" charset="-127"/>
               </a:rPr>
               <a:t> </a:t>
             </a:r>
             <a:r>
-              <a:rPr lang="en-US" altLang="ko-KR" sz="4400" dirty="0" err="1" smtClean="0">
+              <a:rPr lang="en-US" altLang="ko-KR" sz="4400" dirty="0" err="1">
                 <a:latin typeface="나눔스퀘어 Bold" pitchFamily="50" charset="-127"/>
                 <a:ea typeface="나눔스퀘어 Bold" pitchFamily="50" charset="-127"/>
               </a:rPr>
               <a:t>SMART</a:t>
             </a:r>
             <a:r>
-              <a:rPr lang="en-US" altLang="ko-KR" sz="3600" i="1" dirty="0" err="1" smtClean="0">
+              <a:rPr lang="en-US" altLang="ko-KR" sz="3600" i="1" dirty="0" err="1">
                 <a:latin typeface="나눔스퀘어 Bold" pitchFamily="50" charset="-127"/>
                 <a:ea typeface="나눔스퀘어 Bold" pitchFamily="50" charset="-127"/>
               </a:rPr>
@@ -1480,16 +2855,12 @@
           <a:lstStyle/>
           <a:p>
             <a:r>
-              <a:rPr lang="ko-KR" altLang="en-US" sz="2800" dirty="0" smtClean="0">
+              <a:rPr lang="ko-KR" altLang="en-US" sz="2800" dirty="0">
                 <a:latin typeface="나눔스퀘어 Bold" pitchFamily="50" charset="-127"/>
                 <a:ea typeface="나눔스퀘어 Bold" pitchFamily="50" charset="-127"/>
               </a:rPr>
               <a:t>솔루션 그룹 김완섭</a:t>
             </a:r>
-            <a:endParaRPr lang="ko-KR" altLang="en-US" sz="2800" dirty="0">
-              <a:latin typeface="나눔스퀘어 Bold" pitchFamily="50" charset="-127"/>
-              <a:ea typeface="나눔스퀘어 Bold" pitchFamily="50" charset="-127"/>
-            </a:endParaRPr>
           </a:p>
         </p:txBody>
       </p:sp>
@@ -1503,17 +2874,400 @@
   <p:clrMapOvr>
     <a:masterClrMapping/>
   </p:clrMapOvr>
-  <p:timing>
-    <p:tnLst>
-      <p:par>
-        <p:cTn id="1" dur="indefinite" restart="never" nodeType="tmRoot"/>
-      </p:par>
-    </p:tnLst>
-  </p:timing>
 </p:sld>
 </file>
 
 <file path=ppt/slides/slide2.xml><?xml version="1.0" encoding="utf-8"?>
+<p:sld xmlns:a="http://schemas.openxmlformats.org/drawingml/2006/main" xmlns:r="http://schemas.openxmlformats.org/officeDocument/2006/relationships" xmlns:p="http://schemas.openxmlformats.org/presentationml/2006/main">
+  <p:cSld>
+    <p:spTree>
+      <p:nvGrpSpPr>
+        <p:cNvPr id="1" name=""/>
+        <p:cNvGrpSpPr/>
+        <p:nvPr/>
+      </p:nvGrpSpPr>
+      <p:grpSpPr>
+        <a:xfrm>
+          <a:off x="0" y="0"/>
+          <a:ext cx="0" cy="0"/>
+          <a:chOff x="0" y="0"/>
+          <a:chExt cx="0" cy="0"/>
+        </a:xfrm>
+      </p:grpSpPr>
+      <p:sp>
+        <p:nvSpPr>
+          <p:cNvPr id="2" name="텍스트 개체 틀 1">
+            <a:extLst>
+              <a:ext uri="{FF2B5EF4-FFF2-40B4-BE49-F238E27FC236}">
+                <a16:creationId xmlns:a16="http://schemas.microsoft.com/office/drawing/2014/main" id="{BFBD2680-74A5-474E-ADA2-35A2CFA19A16}"/>
+              </a:ext>
+            </a:extLst>
+          </p:cNvPr>
+          <p:cNvSpPr>
+            <a:spLocks noGrp="1"/>
+          </p:cNvSpPr>
+          <p:nvPr>
+            <p:ph type="body" sz="quarter" idx="11"/>
+          </p:nvPr>
+        </p:nvSpPr>
+        <p:spPr/>
+        <p:txBody>
+          <a:bodyPr/>
+          <a:lstStyle/>
+          <a:p>
+            <a:r>
+              <a:rPr lang="ko-KR" altLang="en-US" dirty="0"/>
+              <a:t>대상</a:t>
+            </a:r>
+          </a:p>
+        </p:txBody>
+      </p:sp>
+      <p:sp>
+        <p:nvSpPr>
+          <p:cNvPr id="4" name="TextBox 3">
+            <a:extLst>
+              <a:ext uri="{FF2B5EF4-FFF2-40B4-BE49-F238E27FC236}">
+                <a16:creationId xmlns:a16="http://schemas.microsoft.com/office/drawing/2014/main" id="{0B0354EE-2331-411B-BD71-3E2A0429AAB3}"/>
+              </a:ext>
+            </a:extLst>
+          </p:cNvPr>
+          <p:cNvSpPr txBox="1"/>
+          <p:nvPr/>
+        </p:nvSpPr>
+        <p:spPr>
+          <a:xfrm>
+            <a:off x="684213" y="1628775"/>
+            <a:ext cx="5840766" cy="1679755"/>
+          </a:xfrm>
+          <a:prstGeom prst="rect">
+            <a:avLst/>
+          </a:prstGeom>
+          <a:noFill/>
+        </p:spPr>
+        <p:txBody>
+          <a:bodyPr wrap="none" rtlCol="0">
+            <a:spAutoFit/>
+          </a:bodyPr>
+          <a:lstStyle/>
+          <a:p>
+            <a:pPr marL="285750" indent="-285750">
+              <a:lnSpc>
+                <a:spcPct val="200000"/>
+              </a:lnSpc>
+              <a:buFont typeface="Wingdings" panose="05000000000000000000" pitchFamily="2" charset="2"/>
+              <a:buChar char="ü"/>
+            </a:pPr>
+            <a:r>
+              <a:rPr lang="en-US" altLang="ko-KR" dirty="0">
+                <a:latin typeface="나눔스퀘어 Bold" pitchFamily="50" charset="-127"/>
+                <a:ea typeface="나눔스퀘어 Bold" pitchFamily="50" charset="-127"/>
+              </a:rPr>
+              <a:t>Smartsuite9.1</a:t>
+            </a:r>
+            <a:r>
+              <a:rPr lang="ko-KR" altLang="en-US" dirty="0">
+                <a:latin typeface="나눔스퀘어 Bold" pitchFamily="50" charset="-127"/>
+                <a:ea typeface="나눔스퀘어 Bold" pitchFamily="50" charset="-127"/>
+              </a:rPr>
+              <a:t> 을 처음 접하는 현직 웹 개발자</a:t>
+            </a:r>
+            <a:endParaRPr lang="en-US" altLang="ko-KR" dirty="0">
+              <a:latin typeface="나눔스퀘어 Bold" pitchFamily="50" charset="-127"/>
+              <a:ea typeface="나눔스퀘어 Bold" pitchFamily="50" charset="-127"/>
+            </a:endParaRPr>
+          </a:p>
+          <a:p>
+            <a:pPr marL="285750" indent="-285750">
+              <a:lnSpc>
+                <a:spcPct val="200000"/>
+              </a:lnSpc>
+              <a:buFont typeface="Wingdings" panose="05000000000000000000" pitchFamily="2" charset="2"/>
+              <a:buChar char="ü"/>
+            </a:pPr>
+            <a:r>
+              <a:rPr lang="en-US" altLang="ko-KR" dirty="0">
+                <a:latin typeface="나눔스퀘어 Bold" pitchFamily="50" charset="-127"/>
+                <a:ea typeface="나눔스퀘어 Bold" pitchFamily="50" charset="-127"/>
+              </a:rPr>
+              <a:t>Smartsuite9.1</a:t>
+            </a:r>
+            <a:r>
+              <a:rPr lang="ko-KR" altLang="en-US" dirty="0">
+                <a:latin typeface="나눔스퀘어 Bold" pitchFamily="50" charset="-127"/>
+                <a:ea typeface="나눔스퀘어 Bold" pitchFamily="50" charset="-127"/>
+              </a:rPr>
+              <a:t> 을 처음 접하는 웹에 </a:t>
+            </a:r>
+            <a:r>
+              <a:rPr lang="ko-KR" altLang="en-US" dirty="0" err="1">
+                <a:latin typeface="나눔스퀘어 Bold" pitchFamily="50" charset="-127"/>
+                <a:ea typeface="나눔스퀘어 Bold" pitchFamily="50" charset="-127"/>
+              </a:rPr>
+              <a:t>익숙</a:t>
+            </a:r>
+            <a:r>
+              <a:rPr lang="ko-KR" altLang="en-US" dirty="0">
+                <a:latin typeface="나눔스퀘어 Bold" pitchFamily="50" charset="-127"/>
+                <a:ea typeface="나눔스퀘어 Bold" pitchFamily="50" charset="-127"/>
+              </a:rPr>
+              <a:t> 치 않은 개발자</a:t>
+            </a:r>
+            <a:endParaRPr lang="en-US" altLang="ko-KR" dirty="0">
+              <a:latin typeface="나눔스퀘어 Bold" pitchFamily="50" charset="-127"/>
+              <a:ea typeface="나눔스퀘어 Bold" pitchFamily="50" charset="-127"/>
+            </a:endParaRPr>
+          </a:p>
+          <a:p>
+            <a:pPr marL="285750" indent="-285750">
+              <a:lnSpc>
+                <a:spcPct val="200000"/>
+              </a:lnSpc>
+              <a:buFont typeface="Wingdings" panose="05000000000000000000" pitchFamily="2" charset="2"/>
+              <a:buChar char="ü"/>
+            </a:pPr>
+            <a:r>
+              <a:rPr lang="en-US" altLang="ko-KR" dirty="0">
+                <a:latin typeface="나눔스퀘어 Bold" pitchFamily="50" charset="-127"/>
+                <a:ea typeface="나눔스퀘어 Bold" pitchFamily="50" charset="-127"/>
+              </a:rPr>
+              <a:t>Smartsuite9.1 </a:t>
+            </a:r>
+            <a:r>
+              <a:rPr lang="ko-KR" altLang="en-US" dirty="0">
+                <a:latin typeface="나눔스퀘어 Bold" pitchFamily="50" charset="-127"/>
+                <a:ea typeface="나눔스퀘어 Bold" pitchFamily="50" charset="-127"/>
+              </a:rPr>
+              <a:t>로 웹 개발을 처음 접하는 개발자</a:t>
+            </a:r>
+            <a:endParaRPr lang="en-US" altLang="ko-KR" dirty="0">
+              <a:latin typeface="나눔스퀘어 Bold" pitchFamily="50" charset="-127"/>
+              <a:ea typeface="나눔스퀘어 Bold" pitchFamily="50" charset="-127"/>
+            </a:endParaRPr>
+          </a:p>
+        </p:txBody>
+      </p:sp>
+    </p:spTree>
+    <p:extLst>
+      <p:ext uri="{BB962C8B-B14F-4D97-AF65-F5344CB8AC3E}">
+        <p14:creationId xmlns:p14="http://schemas.microsoft.com/office/powerpoint/2010/main" val="657959500"/>
+      </p:ext>
+    </p:extLst>
+  </p:cSld>
+  <p:clrMapOvr>
+    <a:masterClrMapping/>
+  </p:clrMapOvr>
+</p:sld>
+</file>
+
+<file path=ppt/slides/slide3.xml><?xml version="1.0" encoding="utf-8"?>
+<p:sld xmlns:a="http://schemas.openxmlformats.org/drawingml/2006/main" xmlns:r="http://schemas.openxmlformats.org/officeDocument/2006/relationships" xmlns:p="http://schemas.openxmlformats.org/presentationml/2006/main">
+  <p:cSld>
+    <p:spTree>
+      <p:nvGrpSpPr>
+        <p:cNvPr id="1" name=""/>
+        <p:cNvGrpSpPr/>
+        <p:nvPr/>
+      </p:nvGrpSpPr>
+      <p:grpSpPr>
+        <a:xfrm>
+          <a:off x="0" y="0"/>
+          <a:ext cx="0" cy="0"/>
+          <a:chOff x="0" y="0"/>
+          <a:chExt cx="0" cy="0"/>
+        </a:xfrm>
+      </p:grpSpPr>
+      <p:sp>
+        <p:nvSpPr>
+          <p:cNvPr id="2" name="텍스트 개체 틀 1">
+            <a:extLst>
+              <a:ext uri="{FF2B5EF4-FFF2-40B4-BE49-F238E27FC236}">
+                <a16:creationId xmlns:a16="http://schemas.microsoft.com/office/drawing/2014/main" id="{BFBD2680-74A5-474E-ADA2-35A2CFA19A16}"/>
+              </a:ext>
+            </a:extLst>
+          </p:cNvPr>
+          <p:cNvSpPr>
+            <a:spLocks noGrp="1"/>
+          </p:cNvSpPr>
+          <p:nvPr>
+            <p:ph type="body" sz="quarter" idx="11"/>
+          </p:nvPr>
+        </p:nvSpPr>
+        <p:spPr/>
+        <p:txBody>
+          <a:bodyPr/>
+          <a:lstStyle/>
+          <a:p>
+            <a:r>
+              <a:rPr lang="ko-KR" altLang="en-US" dirty="0"/>
+              <a:t>선수 지식</a:t>
+            </a:r>
+          </a:p>
+        </p:txBody>
+      </p:sp>
+      <p:sp>
+        <p:nvSpPr>
+          <p:cNvPr id="4" name="TextBox 3">
+            <a:extLst>
+              <a:ext uri="{FF2B5EF4-FFF2-40B4-BE49-F238E27FC236}">
+                <a16:creationId xmlns:a16="http://schemas.microsoft.com/office/drawing/2014/main" id="{0B0354EE-2331-411B-BD71-3E2A0429AAB3}"/>
+              </a:ext>
+            </a:extLst>
+          </p:cNvPr>
+          <p:cNvSpPr txBox="1"/>
+          <p:nvPr/>
+        </p:nvSpPr>
+        <p:spPr>
+          <a:xfrm>
+            <a:off x="684213" y="1628775"/>
+            <a:ext cx="4592924" cy="2787751"/>
+          </a:xfrm>
+          <a:prstGeom prst="rect">
+            <a:avLst/>
+          </a:prstGeom>
+          <a:noFill/>
+        </p:spPr>
+        <p:txBody>
+          <a:bodyPr wrap="none" rtlCol="0">
+            <a:spAutoFit/>
+          </a:bodyPr>
+          <a:lstStyle/>
+          <a:p>
+            <a:pPr marL="285750" indent="-285750">
+              <a:lnSpc>
+                <a:spcPct val="200000"/>
+              </a:lnSpc>
+              <a:buFont typeface="Wingdings" panose="05000000000000000000" pitchFamily="2" charset="2"/>
+              <a:buChar char="ü"/>
+            </a:pPr>
+            <a:r>
+              <a:rPr lang="ko-KR" altLang="en-US" dirty="0">
+                <a:latin typeface="나눔스퀘어 Bold" pitchFamily="50" charset="-127"/>
+                <a:ea typeface="나눔스퀘어 Bold" pitchFamily="50" charset="-127"/>
+              </a:rPr>
+              <a:t>웹 애플리케이션 기초</a:t>
+            </a:r>
+            <a:endParaRPr lang="en-US" altLang="ko-KR" dirty="0">
+              <a:latin typeface="나눔스퀘어 Bold" pitchFamily="50" charset="-127"/>
+              <a:ea typeface="나눔스퀘어 Bold" pitchFamily="50" charset="-127"/>
+            </a:endParaRPr>
+          </a:p>
+          <a:p>
+            <a:pPr marL="285750" indent="-285750">
+              <a:lnSpc>
+                <a:spcPct val="200000"/>
+              </a:lnSpc>
+              <a:buFont typeface="Wingdings" panose="05000000000000000000" pitchFamily="2" charset="2"/>
+              <a:buChar char="ü"/>
+            </a:pPr>
+            <a:r>
+              <a:rPr lang="en-US" altLang="ko-KR" dirty="0">
+                <a:latin typeface="나눔스퀘어 Bold" pitchFamily="50" charset="-127"/>
+                <a:ea typeface="나눔스퀘어 Bold" pitchFamily="50" charset="-127"/>
+              </a:rPr>
+              <a:t>JavaScript </a:t>
+            </a:r>
+            <a:r>
+              <a:rPr lang="ko-KR" altLang="en-US" dirty="0">
+                <a:latin typeface="나눔스퀘어 Bold" pitchFamily="50" charset="-127"/>
+                <a:ea typeface="나눔스퀘어 Bold" pitchFamily="50" charset="-127"/>
+              </a:rPr>
+              <a:t>기초 지식</a:t>
+            </a:r>
+            <a:endParaRPr lang="en-US" altLang="ko-KR" dirty="0">
+              <a:latin typeface="나눔스퀘어 Bold" pitchFamily="50" charset="-127"/>
+              <a:ea typeface="나눔스퀘어 Bold" pitchFamily="50" charset="-127"/>
+            </a:endParaRPr>
+          </a:p>
+          <a:p>
+            <a:pPr marL="285750" indent="-285750">
+              <a:lnSpc>
+                <a:spcPct val="200000"/>
+              </a:lnSpc>
+              <a:buFont typeface="Wingdings" panose="05000000000000000000" pitchFamily="2" charset="2"/>
+              <a:buChar char="ü"/>
+            </a:pPr>
+            <a:r>
+              <a:rPr lang="en-US" altLang="ko-KR" dirty="0">
+                <a:latin typeface="나눔스퀘어 Bold" pitchFamily="50" charset="-127"/>
+                <a:ea typeface="나눔스퀘어 Bold" pitchFamily="50" charset="-127"/>
+              </a:rPr>
+              <a:t>Polymer </a:t>
+            </a:r>
+            <a:r>
+              <a:rPr lang="ko-KR" altLang="en-US" dirty="0">
+                <a:latin typeface="나눔스퀘어 Bold" pitchFamily="50" charset="-127"/>
+                <a:ea typeface="나눔스퀘어 Bold" pitchFamily="50" charset="-127"/>
+              </a:rPr>
+              <a:t>라이브러리 사용에 대한 얕은 이해</a:t>
+            </a:r>
+            <a:endParaRPr lang="en-US" altLang="ko-KR" dirty="0">
+              <a:latin typeface="나눔스퀘어 Bold" pitchFamily="50" charset="-127"/>
+              <a:ea typeface="나눔스퀘어 Bold" pitchFamily="50" charset="-127"/>
+            </a:endParaRPr>
+          </a:p>
+          <a:p>
+            <a:pPr marL="285750" indent="-285750">
+              <a:lnSpc>
+                <a:spcPct val="200000"/>
+              </a:lnSpc>
+              <a:buFont typeface="Wingdings" panose="05000000000000000000" pitchFamily="2" charset="2"/>
+              <a:buChar char="ü"/>
+            </a:pPr>
+            <a:r>
+              <a:rPr lang="en-US" altLang="ko-KR" dirty="0">
+                <a:latin typeface="나눔스퀘어 Bold" pitchFamily="50" charset="-127"/>
+                <a:ea typeface="나눔스퀘어 Bold" pitchFamily="50" charset="-127"/>
+              </a:rPr>
+              <a:t>Spring Framework </a:t>
+            </a:r>
+            <a:r>
+              <a:rPr lang="ko-KR" altLang="en-US" dirty="0">
+                <a:latin typeface="나눔스퀘어 Bold" pitchFamily="50" charset="-127"/>
+                <a:ea typeface="나눔스퀘어 Bold" pitchFamily="50" charset="-127"/>
+              </a:rPr>
+              <a:t>기초 지식</a:t>
+            </a:r>
+            <a:endParaRPr lang="en-US" altLang="ko-KR" dirty="0">
+              <a:latin typeface="나눔스퀘어 Bold" pitchFamily="50" charset="-127"/>
+              <a:ea typeface="나눔스퀘어 Bold" pitchFamily="50" charset="-127"/>
+            </a:endParaRPr>
+          </a:p>
+          <a:p>
+            <a:pPr marL="285750" indent="-285750">
+              <a:lnSpc>
+                <a:spcPct val="200000"/>
+              </a:lnSpc>
+              <a:buFont typeface="Wingdings" panose="05000000000000000000" pitchFamily="2" charset="2"/>
+              <a:buChar char="ü"/>
+            </a:pPr>
+            <a:r>
+              <a:rPr lang="ko-KR" altLang="en-US" dirty="0">
+                <a:latin typeface="나눔스퀘어 Bold" pitchFamily="50" charset="-127"/>
+                <a:ea typeface="나눔스퀘어 Bold" pitchFamily="50" charset="-127"/>
+              </a:rPr>
+              <a:t>관계형 데이터베이스 기초 지식 </a:t>
+            </a:r>
+            <a:endParaRPr lang="en-US" altLang="ko-KR" dirty="0">
+              <a:latin typeface="나눔스퀘어 Bold" pitchFamily="50" charset="-127"/>
+              <a:ea typeface="나눔스퀘어 Bold" pitchFamily="50" charset="-127"/>
+            </a:endParaRPr>
+          </a:p>
+        </p:txBody>
+      </p:sp>
+    </p:spTree>
+    <p:extLst>
+      <p:ext uri="{BB962C8B-B14F-4D97-AF65-F5344CB8AC3E}">
+        <p14:creationId xmlns:p14="http://schemas.microsoft.com/office/powerpoint/2010/main" val="3489433111"/>
+      </p:ext>
+    </p:extLst>
+  </p:cSld>
+  <p:clrMapOvr>
+    <a:masterClrMapping/>
+  </p:clrMapOvr>
+</p:sld>
+</file>
+
+<file path=ppt/slides/slide4.xml><?xml version="1.0" encoding="utf-8"?>
 <p:sld xmlns:a="http://schemas.openxmlformats.org/drawingml/2006/main" xmlns:r="http://schemas.openxmlformats.org/officeDocument/2006/relationships" xmlns:p="http://schemas.openxmlformats.org/presentationml/2006/main">
   <p:cSld>
     <p:spTree>
@@ -1546,14 +3300,14 @@
           <a:lstStyle/>
           <a:p>
             <a:r>
-              <a:rPr lang="en-US" altLang="ko-KR" dirty="0" smtClean="0"/>
+              <a:rPr lang="en-US" altLang="ko-KR" dirty="0"/>
               <a:t>Layered </a:t>
             </a:r>
             <a:r>
-              <a:rPr lang="ko-KR" altLang="en-US" dirty="0" smtClean="0"/>
+              <a:rPr lang="ko-KR" altLang="en-US" dirty="0"/>
               <a:t>소프트웨어 아키텍처</a:t>
             </a:r>
-            <a:endParaRPr lang="en-US" altLang="ko-KR" dirty="0" smtClean="0"/>
+            <a:endParaRPr lang="en-US" altLang="ko-KR" dirty="0"/>
           </a:p>
         </p:txBody>
       </p:sp>
@@ -1650,7 +3404,7 @@
           <a:p>
             <a:pPr algn="ctr"/>
             <a:r>
-              <a:rPr lang="en-US" altLang="ko-KR" sz="1100" b="0" dirty="0" smtClean="0">
+              <a:rPr lang="en-US" altLang="ko-KR" sz="1100" b="0" dirty="0">
                 <a:solidFill>
                   <a:schemeClr val="tx1"/>
                 </a:solidFill>
@@ -1660,7 +3414,7 @@
               <a:t>UI </a:t>
             </a:r>
             <a:r>
-              <a:rPr lang="ko-KR" altLang="en-US" sz="1100" b="0" dirty="0" err="1" smtClean="0">
+              <a:rPr lang="ko-KR" altLang="en-US" sz="1100" b="0" dirty="0" err="1">
                 <a:solidFill>
                   <a:schemeClr val="tx1"/>
                 </a:solidFill>
@@ -1669,7 +3423,7 @@
               </a:rPr>
               <a:t>레이어</a:t>
             </a:r>
-            <a:endParaRPr lang="en-US" altLang="ko-KR" sz="1100" b="0" dirty="0" smtClean="0">
+            <a:endParaRPr lang="en-US" altLang="ko-KR" sz="1100" b="0" dirty="0">
               <a:solidFill>
                 <a:schemeClr val="tx1"/>
               </a:solidFill>
@@ -1722,7 +3476,7 @@
           <a:p>
             <a:pPr algn="ctr"/>
             <a:r>
-              <a:rPr lang="ko-KR" altLang="en-US" sz="1100" b="0" dirty="0" smtClean="0">
+              <a:rPr lang="ko-KR" altLang="en-US" sz="1100" b="0" dirty="0">
                 <a:solidFill>
                   <a:schemeClr val="tx1"/>
                 </a:solidFill>
@@ -1742,7 +3496,7 @@
           <a:p>
             <a:pPr algn="ctr"/>
             <a:r>
-              <a:rPr lang="ko-KR" altLang="en-US" sz="1100" b="0" dirty="0" smtClean="0">
+              <a:rPr lang="ko-KR" altLang="en-US" sz="1100" b="0" dirty="0">
                 <a:solidFill>
                   <a:schemeClr val="tx1"/>
                 </a:solidFill>
@@ -1751,13 +3505,6 @@
               </a:rPr>
               <a:t>서브시스템</a:t>
             </a:r>
-            <a:endParaRPr lang="ko-KR" altLang="en-US" sz="1100" b="0" dirty="0">
-              <a:solidFill>
-                <a:schemeClr val="tx1"/>
-              </a:solidFill>
-              <a:latin typeface="나눔스퀘어 Bold" pitchFamily="50" charset="-127"/>
-              <a:ea typeface="나눔스퀘어 Bold" pitchFamily="50" charset="-127"/>
-            </a:endParaRPr>
           </a:p>
         </p:txBody>
       </p:sp>
@@ -1854,7 +3601,7 @@
           <a:p>
             <a:pPr algn="ctr"/>
             <a:r>
-              <a:rPr lang="ko-KR" altLang="en-US" sz="1100" b="0" dirty="0" smtClean="0">
+              <a:rPr lang="ko-KR" altLang="en-US" sz="1100" b="0" dirty="0">
                 <a:solidFill>
                   <a:schemeClr val="tx1"/>
                 </a:solidFill>
@@ -1864,7 +3611,7 @@
               <a:t>프레젠테이션 </a:t>
             </a:r>
             <a:r>
-              <a:rPr lang="ko-KR" altLang="en-US" sz="1100" b="0" dirty="0" err="1" smtClean="0">
+              <a:rPr lang="ko-KR" altLang="en-US" sz="1100" b="0" dirty="0" err="1">
                 <a:solidFill>
                   <a:schemeClr val="tx1"/>
                 </a:solidFill>
@@ -1873,7 +3620,7 @@
               </a:rPr>
               <a:t>레이어</a:t>
             </a:r>
-            <a:endParaRPr lang="en-US" altLang="ko-KR" sz="1100" b="0" dirty="0" smtClean="0">
+            <a:endParaRPr lang="en-US" altLang="ko-KR" sz="1100" b="0" dirty="0">
               <a:solidFill>
                 <a:schemeClr val="tx1"/>
               </a:solidFill>
@@ -2076,7 +3823,7 @@
           <a:p>
             <a:pPr algn="ctr"/>
             <a:r>
-              <a:rPr lang="ko-KR" altLang="en-US" sz="1100" b="0" dirty="0" smtClean="0">
+              <a:rPr lang="ko-KR" altLang="en-US" sz="1100" b="0" dirty="0">
                 <a:solidFill>
                   <a:schemeClr val="tx1"/>
                 </a:solidFill>
@@ -2085,7 +3832,7 @@
               </a:rPr>
               <a:t>비즈니스</a:t>
             </a:r>
-            <a:endParaRPr lang="en-US" altLang="ko-KR" sz="1100" b="0" dirty="0" smtClean="0">
+            <a:endParaRPr lang="en-US" altLang="ko-KR" sz="1100" b="0" dirty="0">
               <a:solidFill>
                 <a:schemeClr val="tx1"/>
               </a:solidFill>
@@ -2096,7 +3843,7 @@
           <a:p>
             <a:pPr algn="ctr"/>
             <a:r>
-              <a:rPr lang="ko-KR" altLang="en-US" sz="1100" b="0" dirty="0" err="1" smtClean="0">
+              <a:rPr lang="ko-KR" altLang="en-US" sz="1100" b="0" dirty="0" err="1">
                 <a:solidFill>
                   <a:schemeClr val="tx1"/>
                 </a:solidFill>
@@ -2106,7 +3853,7 @@
               <a:t>로직</a:t>
             </a:r>
             <a:r>
-              <a:rPr lang="ko-KR" altLang="en-US" sz="1100" b="0" dirty="0" smtClean="0">
+              <a:rPr lang="ko-KR" altLang="en-US" sz="1100" b="0" dirty="0">
                 <a:solidFill>
                   <a:schemeClr val="tx1"/>
                 </a:solidFill>
@@ -2116,7 +3863,7 @@
               <a:t> </a:t>
             </a:r>
             <a:r>
-              <a:rPr lang="ko-KR" altLang="en-US" sz="1100" b="0" dirty="0" err="1" smtClean="0">
+              <a:rPr lang="ko-KR" altLang="en-US" sz="1100" b="0" dirty="0" err="1">
                 <a:solidFill>
                   <a:schemeClr val="tx1"/>
                 </a:solidFill>
@@ -2125,7 +3872,7 @@
               </a:rPr>
               <a:t>레이어</a:t>
             </a:r>
-            <a:endParaRPr lang="en-US" altLang="ko-KR" sz="1100" b="0" dirty="0" smtClean="0">
+            <a:endParaRPr lang="en-US" altLang="ko-KR" sz="1100" b="0" dirty="0">
               <a:solidFill>
                 <a:schemeClr val="tx1"/>
               </a:solidFill>
@@ -2178,7 +3925,7 @@
           <a:p>
             <a:pPr algn="ctr"/>
             <a:r>
-              <a:rPr lang="ko-KR" altLang="en-US" sz="1100" b="0" dirty="0" smtClean="0">
+              <a:rPr lang="ko-KR" altLang="en-US" sz="1100" b="0" dirty="0">
                 <a:solidFill>
                   <a:schemeClr val="tx1"/>
                 </a:solidFill>
@@ -2187,7 +3934,7 @@
               </a:rPr>
               <a:t>자원접근</a:t>
             </a:r>
-            <a:endParaRPr lang="en-US" altLang="ko-KR" sz="1100" b="0" dirty="0" smtClean="0">
+            <a:endParaRPr lang="en-US" altLang="ko-KR" sz="1100" b="0" dirty="0">
               <a:solidFill>
                 <a:schemeClr val="tx1"/>
               </a:solidFill>
@@ -2198,7 +3945,7 @@
           <a:p>
             <a:pPr algn="ctr"/>
             <a:r>
-              <a:rPr lang="ko-KR" altLang="en-US" sz="1100" b="0" dirty="0" err="1" smtClean="0">
+              <a:rPr lang="ko-KR" altLang="en-US" sz="1100" b="0" dirty="0" err="1">
                 <a:solidFill>
                   <a:schemeClr val="tx1"/>
                 </a:solidFill>
@@ -2207,7 +3954,7 @@
               </a:rPr>
               <a:t>레이어</a:t>
             </a:r>
-            <a:endParaRPr lang="en-US" altLang="ko-KR" sz="1100" b="0" dirty="0" smtClean="0">
+            <a:endParaRPr lang="en-US" altLang="ko-KR" sz="1100" b="0" dirty="0">
               <a:solidFill>
                 <a:schemeClr val="tx1"/>
               </a:solidFill>
@@ -2260,7 +4007,7 @@
           <a:p>
             <a:pPr algn="ctr"/>
             <a:r>
-              <a:rPr lang="ko-KR" altLang="en-US" sz="1100" b="0" dirty="0" smtClean="0">
+              <a:rPr lang="ko-KR" altLang="en-US" sz="1100" b="0" dirty="0">
                 <a:solidFill>
                   <a:schemeClr val="tx1"/>
                 </a:solidFill>
@@ -2269,7 +4016,7 @@
               </a:rPr>
               <a:t>데이터</a:t>
             </a:r>
-            <a:endParaRPr lang="en-US" altLang="ko-KR" sz="1100" b="0" dirty="0" smtClean="0">
+            <a:endParaRPr lang="en-US" altLang="ko-KR" sz="1100" b="0" dirty="0">
               <a:solidFill>
                 <a:schemeClr val="tx1"/>
               </a:solidFill>
@@ -2280,7 +4027,7 @@
           <a:p>
             <a:pPr algn="ctr"/>
             <a:r>
-              <a:rPr lang="ko-KR" altLang="en-US" sz="1100" b="0" dirty="0" err="1" smtClean="0">
+              <a:rPr lang="ko-KR" altLang="en-US" sz="1100" b="0" dirty="0" err="1">
                 <a:solidFill>
                   <a:schemeClr val="tx1"/>
                 </a:solidFill>
@@ -2289,7 +4036,7 @@
               </a:rPr>
               <a:t>레이어</a:t>
             </a:r>
-            <a:endParaRPr lang="en-US" altLang="ko-KR" sz="1100" b="0" dirty="0" smtClean="0">
+            <a:endParaRPr lang="en-US" altLang="ko-KR" sz="1100" b="0" dirty="0">
               <a:solidFill>
                 <a:schemeClr val="tx1"/>
               </a:solidFill>
@@ -2308,7 +4055,7 @@
           <p:nvPr>
             <p:extLst>
               <p:ext uri="{D42A27DB-BD31-4B8C-83A1-F6EECF244321}">
-                <p14:modId xmlns:p14="http://schemas.microsoft.com/office/powerpoint/2010/main" val="449680625"/>
+                <p14:modId xmlns:p14="http://schemas.microsoft.com/office/powerpoint/2010/main" val="1884844220"/>
               </p:ext>
             </p:extLst>
           </p:nvPr>
@@ -2324,7 +4071,13 @@
                 <a:tableStyleId>{5C22544A-7EE6-4342-B048-85BDC9FD1C3A}</a:tableStyleId>
               </a:tblPr>
               <a:tblGrid>
-                <a:gridCol w="1187450"/>
+                <a:gridCol w="1187450">
+                  <a:extLst>
+                    <a:ext uri="{9D8B030D-6E8A-4147-A177-3AD203B41FA5}">
+                      <a16:colId xmlns:a16="http://schemas.microsoft.com/office/drawing/2014/main" val="20000"/>
+                    </a:ext>
+                  </a:extLst>
+                </a:gridCol>
               </a:tblGrid>
               <a:tr h="0">
                 <a:tc>
@@ -2334,7 +4087,7 @@
                     <a:p>
                       <a:pPr algn="ctr" latinLnBrk="1"/>
                       <a:r>
-                        <a:rPr lang="en-US" altLang="ko-KR" sz="900" b="0" dirty="0" smtClean="0">
+                        <a:rPr lang="en-US" altLang="ko-KR" sz="900" b="0" dirty="0">
                           <a:solidFill>
                             <a:schemeClr val="tx1"/>
                           </a:solidFill>
@@ -2394,6 +4147,11 @@
                     </a:solidFill>
                   </a:tcPr>
                 </a:tc>
+                <a:extLst>
+                  <a:ext uri="{0D108BD9-81ED-4DB2-BD59-A6C34878D82A}">
+                    <a16:rowId xmlns:a16="http://schemas.microsoft.com/office/drawing/2014/main" val="10000"/>
+                  </a:ext>
+                </a:extLst>
               </a:tr>
               <a:tr h="0">
                 <a:tc>
@@ -2403,14 +4161,14 @@
                     <a:p>
                       <a:pPr algn="ctr" latinLnBrk="1"/>
                       <a:r>
-                        <a:rPr lang="en-US" altLang="ko-KR" sz="900" dirty="0" smtClean="0">
+                        <a:rPr lang="en-US" altLang="ko-KR" sz="900" dirty="0">
                           <a:latin typeface="나눔스퀘어 Bold" pitchFamily="50" charset="-127"/>
                           <a:ea typeface="나눔스퀘어 Bold" pitchFamily="50" charset="-127"/>
                         </a:rPr>
                         <a:t>HTML5/</a:t>
                       </a:r>
                       <a:r>
-                        <a:rPr lang="en-US" altLang="ko-KR" sz="900" baseline="0" dirty="0" smtClean="0">
+                        <a:rPr lang="en-US" altLang="ko-KR" sz="900" baseline="0" dirty="0">
                           <a:latin typeface="나눔스퀘어 Bold" pitchFamily="50" charset="-127"/>
                           <a:ea typeface="나눔스퀘어 Bold" pitchFamily="50" charset="-127"/>
                         </a:rPr>
@@ -2464,6 +4222,11 @@
                     </a:solidFill>
                   </a:tcPr>
                 </a:tc>
+                <a:extLst>
+                  <a:ext uri="{0D108BD9-81ED-4DB2-BD59-A6C34878D82A}">
+                    <a16:rowId xmlns:a16="http://schemas.microsoft.com/office/drawing/2014/main" val="10001"/>
+                  </a:ext>
+                </a:extLst>
               </a:tr>
               <a:tr h="0">
                 <a:tc>
@@ -2473,13 +4236,19 @@
                     <a:p>
                       <a:pPr algn="ctr" latinLnBrk="1"/>
                       <a:r>
-                        <a:rPr lang="en-US" altLang="ko-KR" sz="900" b="1" dirty="0" err="1" smtClean="0">
+                        <a:rPr lang="en-US" altLang="ko-KR" sz="900" b="1" dirty="0" err="1">
+                          <a:solidFill>
+                            <a:srgbClr val="FF004C"/>
+                          </a:solidFill>
                           <a:latin typeface="나눔스퀘어 ExtraBold" pitchFamily="50" charset="-127"/>
                           <a:ea typeface="나눔스퀘어 ExtraBold" pitchFamily="50" charset="-127"/>
                         </a:rPr>
                         <a:t>Javascript</a:t>
                       </a:r>
                       <a:endParaRPr lang="ko-KR" altLang="en-US" sz="900" b="1" dirty="0">
+                        <a:solidFill>
+                          <a:srgbClr val="FF004C"/>
+                        </a:solidFill>
                         <a:latin typeface="나눔스퀘어 ExtraBold" pitchFamily="50" charset="-127"/>
                         <a:ea typeface="나눔스퀘어 ExtraBold" pitchFamily="50" charset="-127"/>
                       </a:endParaRPr>
@@ -2527,6 +4296,11 @@
                     </a:solidFill>
                   </a:tcPr>
                 </a:tc>
+                <a:extLst>
+                  <a:ext uri="{0D108BD9-81ED-4DB2-BD59-A6C34878D82A}">
+                    <a16:rowId xmlns:a16="http://schemas.microsoft.com/office/drawing/2014/main" val="10002"/>
+                  </a:ext>
+                </a:extLst>
               </a:tr>
             </a:tbl>
           </a:graphicData>
@@ -2541,7 +4315,7 @@
           <p:nvPr>
             <p:extLst>
               <p:ext uri="{D42A27DB-BD31-4B8C-83A1-F6EECF244321}">
-                <p14:modId xmlns:p14="http://schemas.microsoft.com/office/powerpoint/2010/main" val="295433331"/>
+                <p14:modId xmlns:p14="http://schemas.microsoft.com/office/powerpoint/2010/main" val="129433010"/>
               </p:ext>
             </p:extLst>
           </p:nvPr>
@@ -2557,7 +4331,13 @@
                 <a:tableStyleId>{5C22544A-7EE6-4342-B048-85BDC9FD1C3A}</a:tableStyleId>
               </a:tblPr>
               <a:tblGrid>
-                <a:gridCol w="1187450"/>
+                <a:gridCol w="1187450">
+                  <a:extLst>
+                    <a:ext uri="{9D8B030D-6E8A-4147-A177-3AD203B41FA5}">
+                      <a16:colId xmlns:a16="http://schemas.microsoft.com/office/drawing/2014/main" val="20000"/>
+                    </a:ext>
+                  </a:extLst>
+                </a:gridCol>
               </a:tblGrid>
               <a:tr h="0">
                 <a:tc>
@@ -2567,7 +4347,7 @@
                     <a:p>
                       <a:pPr algn="ctr" latinLnBrk="1"/>
                       <a:r>
-                        <a:rPr lang="en-US" altLang="ko-KR" sz="900" b="0" dirty="0" smtClean="0">
+                        <a:rPr lang="en-US" altLang="ko-KR" sz="900" b="0" dirty="0">
                           <a:solidFill>
                             <a:schemeClr val="tx1"/>
                           </a:solidFill>
@@ -2627,6 +4407,11 @@
                     </a:solidFill>
                   </a:tcPr>
                 </a:tc>
+                <a:extLst>
+                  <a:ext uri="{0D108BD9-81ED-4DB2-BD59-A6C34878D82A}">
+                    <a16:rowId xmlns:a16="http://schemas.microsoft.com/office/drawing/2014/main" val="10000"/>
+                  </a:ext>
+                </a:extLst>
               </a:tr>
               <a:tr h="0">
                 <a:tc>
@@ -2636,13 +4421,19 @@
                     <a:p>
                       <a:pPr algn="ctr" latinLnBrk="1"/>
                       <a:r>
-                        <a:rPr lang="en-US" altLang="ko-KR" sz="900" dirty="0" smtClean="0">
+                        <a:rPr lang="en-US" altLang="ko-KR" sz="900" dirty="0">
+                          <a:solidFill>
+                            <a:srgbClr val="FF004C"/>
+                          </a:solidFill>
                           <a:latin typeface="나눔스퀘어 ExtraBold" pitchFamily="50" charset="-127"/>
                           <a:ea typeface="나눔스퀘어 ExtraBold" pitchFamily="50" charset="-127"/>
                         </a:rPr>
                         <a:t>Web Component</a:t>
                       </a:r>
                       <a:endParaRPr lang="ko-KR" altLang="en-US" sz="900" dirty="0">
+                        <a:solidFill>
+                          <a:srgbClr val="FF004C"/>
+                        </a:solidFill>
                         <a:latin typeface="나눔스퀘어 ExtraBold" pitchFamily="50" charset="-127"/>
                         <a:ea typeface="나눔스퀘어 ExtraBold" pitchFamily="50" charset="-127"/>
                       </a:endParaRPr>
@@ -2690,6 +4481,11 @@
                     </a:solidFill>
                   </a:tcPr>
                 </a:tc>
+                <a:extLst>
+                  <a:ext uri="{0D108BD9-81ED-4DB2-BD59-A6C34878D82A}">
+                    <a16:rowId xmlns:a16="http://schemas.microsoft.com/office/drawing/2014/main" val="10001"/>
+                  </a:ext>
+                </a:extLst>
               </a:tr>
             </a:tbl>
           </a:graphicData>
@@ -2720,7 +4516,13 @@
                 <a:tableStyleId>{5C22544A-7EE6-4342-B048-85BDC9FD1C3A}</a:tableStyleId>
               </a:tblPr>
               <a:tblGrid>
-                <a:gridCol w="1187450"/>
+                <a:gridCol w="1187450">
+                  <a:extLst>
+                    <a:ext uri="{9D8B030D-6E8A-4147-A177-3AD203B41FA5}">
+                      <a16:colId xmlns:a16="http://schemas.microsoft.com/office/drawing/2014/main" val="20000"/>
+                    </a:ext>
+                  </a:extLst>
+                </a:gridCol>
               </a:tblGrid>
               <a:tr h="0">
                 <a:tc>
@@ -2730,7 +4532,7 @@
                     <a:p>
                       <a:pPr algn="ctr" latinLnBrk="1"/>
                       <a:r>
-                        <a:rPr lang="en-US" altLang="ko-KR" sz="900" b="0" dirty="0" err="1" smtClean="0">
+                        <a:rPr lang="en-US" altLang="ko-KR" sz="900" b="0" dirty="0" err="1">
                           <a:solidFill>
                             <a:schemeClr val="tx1"/>
                           </a:solidFill>
@@ -2740,7 +4542,7 @@
                         <a:t>Json</a:t>
                       </a:r>
                       <a:r>
-                        <a:rPr lang="en-US" altLang="ko-KR" sz="900" b="0" dirty="0" smtClean="0">
+                        <a:rPr lang="en-US" altLang="ko-KR" sz="900" b="0" dirty="0">
                           <a:solidFill>
                             <a:schemeClr val="tx1"/>
                           </a:solidFill>
@@ -2800,6 +4602,11 @@
                     </a:solidFill>
                   </a:tcPr>
                 </a:tc>
+                <a:extLst>
+                  <a:ext uri="{0D108BD9-81ED-4DB2-BD59-A6C34878D82A}">
+                    <a16:rowId xmlns:a16="http://schemas.microsoft.com/office/drawing/2014/main" val="10000"/>
+                  </a:ext>
+                </a:extLst>
               </a:tr>
             </a:tbl>
           </a:graphicData>
@@ -2830,7 +4637,13 @@
                 <a:tableStyleId>{5C22544A-7EE6-4342-B048-85BDC9FD1C3A}</a:tableStyleId>
               </a:tblPr>
               <a:tblGrid>
-                <a:gridCol w="1187450"/>
+                <a:gridCol w="1187450">
+                  <a:extLst>
+                    <a:ext uri="{9D8B030D-6E8A-4147-A177-3AD203B41FA5}">
+                      <a16:colId xmlns:a16="http://schemas.microsoft.com/office/drawing/2014/main" val="20000"/>
+                    </a:ext>
+                  </a:extLst>
+                </a:gridCol>
               </a:tblGrid>
               <a:tr h="0">
                 <a:tc>
@@ -2840,7 +4653,7 @@
                     <a:p>
                       <a:pPr algn="ctr" latinLnBrk="1"/>
                       <a:r>
-                        <a:rPr lang="en-US" altLang="ko-KR" sz="900" b="0" dirty="0" smtClean="0">
+                        <a:rPr lang="en-US" altLang="ko-KR" sz="900" b="0" dirty="0">
                           <a:solidFill>
                             <a:schemeClr val="tx1"/>
                           </a:solidFill>
@@ -2900,6 +4713,11 @@
                     </a:solidFill>
                   </a:tcPr>
                 </a:tc>
+                <a:extLst>
+                  <a:ext uri="{0D108BD9-81ED-4DB2-BD59-A6C34878D82A}">
+                    <a16:rowId xmlns:a16="http://schemas.microsoft.com/office/drawing/2014/main" val="10000"/>
+                  </a:ext>
+                </a:extLst>
               </a:tr>
               <a:tr h="0">
                 <a:tc>
@@ -2909,7 +4727,7 @@
                     <a:p>
                       <a:pPr algn="ctr" latinLnBrk="1"/>
                       <a:r>
-                        <a:rPr lang="ko-KR" altLang="en-US" sz="900" dirty="0" err="1" smtClean="0">
+                        <a:rPr lang="ko-KR" altLang="en-US" sz="900" dirty="0" err="1">
                           <a:latin typeface="나눔스퀘어 Bold" pitchFamily="50" charset="-127"/>
                           <a:ea typeface="나눔스퀘어 Bold" pitchFamily="50" charset="-127"/>
                         </a:rPr>
@@ -2963,6 +4781,11 @@
                     </a:solidFill>
                   </a:tcPr>
                 </a:tc>
+                <a:extLst>
+                  <a:ext uri="{0D108BD9-81ED-4DB2-BD59-A6C34878D82A}">
+                    <a16:rowId xmlns:a16="http://schemas.microsoft.com/office/drawing/2014/main" val="10001"/>
+                  </a:ext>
+                </a:extLst>
               </a:tr>
             </a:tbl>
           </a:graphicData>
@@ -2993,7 +4816,13 @@
                 <a:tableStyleId>{5C22544A-7EE6-4342-B048-85BDC9FD1C3A}</a:tableStyleId>
               </a:tblPr>
               <a:tblGrid>
-                <a:gridCol w="1187450"/>
+                <a:gridCol w="1187450">
+                  <a:extLst>
+                    <a:ext uri="{9D8B030D-6E8A-4147-A177-3AD203B41FA5}">
+                      <a16:colId xmlns:a16="http://schemas.microsoft.com/office/drawing/2014/main" val="20000"/>
+                    </a:ext>
+                  </a:extLst>
+                </a:gridCol>
               </a:tblGrid>
               <a:tr h="0">
                 <a:tc>
@@ -3003,7 +4832,7 @@
                     <a:p>
                       <a:pPr algn="ctr" latinLnBrk="1"/>
                       <a:r>
-                        <a:rPr lang="en-US" altLang="ko-KR" sz="900" b="0" dirty="0" smtClean="0">
+                        <a:rPr lang="en-US" altLang="ko-KR" sz="900" b="0" dirty="0">
                           <a:solidFill>
                             <a:schemeClr val="tx1"/>
                           </a:solidFill>
@@ -3063,6 +4892,11 @@
                     </a:solidFill>
                   </a:tcPr>
                 </a:tc>
+                <a:extLst>
+                  <a:ext uri="{0D108BD9-81ED-4DB2-BD59-A6C34878D82A}">
+                    <a16:rowId xmlns:a16="http://schemas.microsoft.com/office/drawing/2014/main" val="10000"/>
+                  </a:ext>
+                </a:extLst>
               </a:tr>
               <a:tr h="0">
                 <a:tc>
@@ -3072,7 +4906,7 @@
                     <a:p>
                       <a:pPr algn="ctr" latinLnBrk="1"/>
                       <a:r>
-                        <a:rPr lang="en-US" altLang="ko-KR" sz="900" dirty="0" smtClean="0">
+                        <a:rPr lang="en-US" altLang="ko-KR" sz="900" dirty="0">
                           <a:latin typeface="나눔스퀘어 Bold" pitchFamily="50" charset="-127"/>
                           <a:ea typeface="나눔스퀘어 Bold" pitchFamily="50" charset="-127"/>
                         </a:rPr>
@@ -3126,6 +4960,11 @@
                     </a:solidFill>
                   </a:tcPr>
                 </a:tc>
+                <a:extLst>
+                  <a:ext uri="{0D108BD9-81ED-4DB2-BD59-A6C34878D82A}">
+                    <a16:rowId xmlns:a16="http://schemas.microsoft.com/office/drawing/2014/main" val="10001"/>
+                  </a:ext>
+                </a:extLst>
               </a:tr>
               <a:tr h="0">
                 <a:tc>
@@ -3135,14 +4974,14 @@
                     <a:p>
                       <a:pPr algn="ctr" latinLnBrk="1"/>
                       <a:r>
-                        <a:rPr lang="en-US" altLang="ko-KR" sz="900" dirty="0" smtClean="0">
+                        <a:rPr lang="en-US" altLang="ko-KR" sz="900" dirty="0">
                           <a:latin typeface="나눔스퀘어 Bold" pitchFamily="50" charset="-127"/>
                           <a:ea typeface="나눔스퀘어 Bold" pitchFamily="50" charset="-127"/>
                         </a:rPr>
                         <a:t>JSP/</a:t>
                       </a:r>
                       <a:r>
-                        <a:rPr lang="en-US" altLang="ko-KR" sz="900" baseline="0" dirty="0" smtClean="0">
+                        <a:rPr lang="en-US" altLang="ko-KR" sz="900" baseline="0" dirty="0">
                           <a:latin typeface="나눔스퀘어 Bold" pitchFamily="50" charset="-127"/>
                           <a:ea typeface="나눔스퀘어 Bold" pitchFamily="50" charset="-127"/>
                         </a:rPr>
@@ -3196,6 +5035,11 @@
                     </a:solidFill>
                   </a:tcPr>
                 </a:tc>
+                <a:extLst>
+                  <a:ext uri="{0D108BD9-81ED-4DB2-BD59-A6C34878D82A}">
+                    <a16:rowId xmlns:a16="http://schemas.microsoft.com/office/drawing/2014/main" val="10002"/>
+                  </a:ext>
+                </a:extLst>
               </a:tr>
             </a:tbl>
           </a:graphicData>
@@ -3210,7 +5054,7 @@
           <p:nvPr>
             <p:extLst>
               <p:ext uri="{D42A27DB-BD31-4B8C-83A1-F6EECF244321}">
-                <p14:modId xmlns:p14="http://schemas.microsoft.com/office/powerpoint/2010/main" val="2928813739"/>
+                <p14:modId xmlns:p14="http://schemas.microsoft.com/office/powerpoint/2010/main" val="2449374017"/>
               </p:ext>
             </p:extLst>
           </p:nvPr>
@@ -3226,7 +5070,13 @@
                 <a:tableStyleId>{5C22544A-7EE6-4342-B048-85BDC9FD1C3A}</a:tableStyleId>
               </a:tblPr>
               <a:tblGrid>
-                <a:gridCol w="1187450"/>
+                <a:gridCol w="1187450">
+                  <a:extLst>
+                    <a:ext uri="{9D8B030D-6E8A-4147-A177-3AD203B41FA5}">
+                      <a16:colId xmlns:a16="http://schemas.microsoft.com/office/drawing/2014/main" val="20000"/>
+                    </a:ext>
+                  </a:extLst>
+                </a:gridCol>
               </a:tblGrid>
               <a:tr h="0">
                 <a:tc>
@@ -3236,7 +5086,7 @@
                     <a:p>
                       <a:pPr algn="ctr" latinLnBrk="1"/>
                       <a:r>
-                        <a:rPr lang="en-US" altLang="ko-KR" sz="900" b="0" dirty="0" smtClean="0">
+                        <a:rPr lang="en-US" altLang="ko-KR" sz="900" b="0" dirty="0">
                           <a:solidFill>
                             <a:schemeClr val="tx1"/>
                           </a:solidFill>
@@ -3296,6 +5146,11 @@
                     </a:solidFill>
                   </a:tcPr>
                 </a:tc>
+                <a:extLst>
+                  <a:ext uri="{0D108BD9-81ED-4DB2-BD59-A6C34878D82A}">
+                    <a16:rowId xmlns:a16="http://schemas.microsoft.com/office/drawing/2014/main" val="10000"/>
+                  </a:ext>
+                </a:extLst>
               </a:tr>
               <a:tr h="0">
                 <a:tc>
@@ -3305,20 +5160,29 @@
                     <a:p>
                       <a:pPr algn="ctr" latinLnBrk="1"/>
                       <a:r>
-                        <a:rPr lang="en-US" altLang="ko-KR" sz="900" dirty="0" smtClean="0">
+                        <a:rPr lang="en-US" altLang="ko-KR" sz="900" dirty="0">
+                          <a:solidFill>
+                            <a:srgbClr val="FF004C"/>
+                          </a:solidFill>
                           <a:latin typeface="나눔스퀘어 ExtraBold" pitchFamily="50" charset="-127"/>
                           <a:ea typeface="나눔스퀘어 ExtraBold" pitchFamily="50" charset="-127"/>
                         </a:rPr>
                         <a:t>Spring</a:t>
                       </a:r>
                       <a:r>
-                        <a:rPr lang="en-US" altLang="ko-KR" sz="900" baseline="0" dirty="0" smtClean="0">
+                        <a:rPr lang="en-US" altLang="ko-KR" sz="900" baseline="0" dirty="0">
+                          <a:solidFill>
+                            <a:srgbClr val="FF004C"/>
+                          </a:solidFill>
                           <a:latin typeface="나눔스퀘어 ExtraBold" pitchFamily="50" charset="-127"/>
                           <a:ea typeface="나눔스퀘어 ExtraBold" pitchFamily="50" charset="-127"/>
                         </a:rPr>
                         <a:t> MVC</a:t>
                       </a:r>
                       <a:endParaRPr lang="ko-KR" altLang="en-US" sz="900" dirty="0">
+                        <a:solidFill>
+                          <a:srgbClr val="FF004C"/>
+                        </a:solidFill>
                         <a:latin typeface="나눔스퀘어 ExtraBold" pitchFamily="50" charset="-127"/>
                         <a:ea typeface="나눔스퀘어 ExtraBold" pitchFamily="50" charset="-127"/>
                       </a:endParaRPr>
@@ -3366,6 +5230,11 @@
                     </a:solidFill>
                   </a:tcPr>
                 </a:tc>
+                <a:extLst>
+                  <a:ext uri="{0D108BD9-81ED-4DB2-BD59-A6C34878D82A}">
+                    <a16:rowId xmlns:a16="http://schemas.microsoft.com/office/drawing/2014/main" val="10001"/>
+                  </a:ext>
+                </a:extLst>
               </a:tr>
               <a:tr h="0">
                 <a:tc>
@@ -3375,7 +5244,7 @@
                     <a:p>
                       <a:pPr algn="ctr" latinLnBrk="1"/>
                       <a:r>
-                        <a:rPr lang="en-US" altLang="ko-KR" sz="900" dirty="0" smtClean="0">
+                        <a:rPr lang="en-US" altLang="ko-KR" sz="900" dirty="0">
                           <a:latin typeface="나눔스퀘어 Bold" pitchFamily="50" charset="-127"/>
                           <a:ea typeface="나눔스퀘어 Bold" pitchFamily="50" charset="-127"/>
                         </a:rPr>
@@ -3429,6 +5298,11 @@
                     </a:solidFill>
                   </a:tcPr>
                 </a:tc>
+                <a:extLst>
+                  <a:ext uri="{0D108BD9-81ED-4DB2-BD59-A6C34878D82A}">
+                    <a16:rowId xmlns:a16="http://schemas.microsoft.com/office/drawing/2014/main" val="10002"/>
+                  </a:ext>
+                </a:extLst>
               </a:tr>
             </a:tbl>
           </a:graphicData>
@@ -3459,7 +5333,13 @@
                 <a:tableStyleId>{5C22544A-7EE6-4342-B048-85BDC9FD1C3A}</a:tableStyleId>
               </a:tblPr>
               <a:tblGrid>
-                <a:gridCol w="1187450"/>
+                <a:gridCol w="1187450">
+                  <a:extLst>
+                    <a:ext uri="{9D8B030D-6E8A-4147-A177-3AD203B41FA5}">
+                      <a16:colId xmlns:a16="http://schemas.microsoft.com/office/drawing/2014/main" val="20000"/>
+                    </a:ext>
+                  </a:extLst>
+                </a:gridCol>
               </a:tblGrid>
               <a:tr h="0">
                 <a:tc>
@@ -3469,7 +5349,7 @@
                     <a:p>
                       <a:pPr algn="ctr" latinLnBrk="1"/>
                       <a:r>
-                        <a:rPr lang="en-US" altLang="ko-KR" sz="900" b="0" dirty="0" smtClean="0">
+                        <a:rPr lang="en-US" altLang="ko-KR" sz="900" b="0" dirty="0">
                           <a:solidFill>
                             <a:schemeClr val="tx1"/>
                           </a:solidFill>
@@ -3529,6 +5409,11 @@
                     </a:solidFill>
                   </a:tcPr>
                 </a:tc>
+                <a:extLst>
+                  <a:ext uri="{0D108BD9-81ED-4DB2-BD59-A6C34878D82A}">
+                    <a16:rowId xmlns:a16="http://schemas.microsoft.com/office/drawing/2014/main" val="10000"/>
+                  </a:ext>
+                </a:extLst>
               </a:tr>
               <a:tr h="0">
                 <a:tc>
@@ -3538,16 +5423,12 @@
                     <a:p>
                       <a:pPr algn="ctr" latinLnBrk="1"/>
                       <a:r>
-                        <a:rPr lang="ko-KR" altLang="en-US" sz="900" dirty="0" smtClean="0">
+                        <a:rPr lang="ko-KR" altLang="en-US" sz="900" dirty="0">
                           <a:latin typeface="나눔스퀘어 Bold" pitchFamily="50" charset="-127"/>
                           <a:ea typeface="나눔스퀘어 Bold" pitchFamily="50" charset="-127"/>
                         </a:rPr>
                         <a:t>웹 컨테이너</a:t>
                       </a:r>
-                      <a:endParaRPr lang="ko-KR" altLang="en-US" sz="900" dirty="0">
-                        <a:latin typeface="나눔스퀘어 Bold" pitchFamily="50" charset="-127"/>
-                        <a:ea typeface="나눔스퀘어 Bold" pitchFamily="50" charset="-127"/>
-                      </a:endParaRPr>
                     </a:p>
                   </a:txBody>
                   <a:tcPr>
@@ -3592,6 +5473,11 @@
                     </a:solidFill>
                   </a:tcPr>
                 </a:tc>
+                <a:extLst>
+                  <a:ext uri="{0D108BD9-81ED-4DB2-BD59-A6C34878D82A}">
+                    <a16:rowId xmlns:a16="http://schemas.microsoft.com/office/drawing/2014/main" val="10001"/>
+                  </a:ext>
+                </a:extLst>
               </a:tr>
               <a:tr h="0">
                 <a:tc>
@@ -3601,7 +5487,7 @@
                     <a:p>
                       <a:pPr algn="ctr" latinLnBrk="1"/>
                       <a:r>
-                        <a:rPr lang="en-US" altLang="ko-KR" sz="900" dirty="0" smtClean="0">
+                        <a:rPr lang="en-US" altLang="ko-KR" sz="900" dirty="0">
                           <a:latin typeface="나눔스퀘어 Bold" pitchFamily="50" charset="-127"/>
                           <a:ea typeface="나눔스퀘어 Bold" pitchFamily="50" charset="-127"/>
                         </a:rPr>
@@ -3655,6 +5541,11 @@
                     </a:solidFill>
                   </a:tcPr>
                 </a:tc>
+                <a:extLst>
+                  <a:ext uri="{0D108BD9-81ED-4DB2-BD59-A6C34878D82A}">
+                    <a16:rowId xmlns:a16="http://schemas.microsoft.com/office/drawing/2014/main" val="10002"/>
+                  </a:ext>
+                </a:extLst>
               </a:tr>
             </a:tbl>
           </a:graphicData>
@@ -3685,7 +5576,13 @@
                 <a:tableStyleId>{5C22544A-7EE6-4342-B048-85BDC9FD1C3A}</a:tableStyleId>
               </a:tblPr>
               <a:tblGrid>
-                <a:gridCol w="1187450"/>
+                <a:gridCol w="1187450">
+                  <a:extLst>
+                    <a:ext uri="{9D8B030D-6E8A-4147-A177-3AD203B41FA5}">
+                      <a16:colId xmlns:a16="http://schemas.microsoft.com/office/drawing/2014/main" val="20000"/>
+                    </a:ext>
+                  </a:extLst>
+                </a:gridCol>
               </a:tblGrid>
               <a:tr h="0">
                 <a:tc>
@@ -3695,7 +5592,7 @@
                     <a:p>
                       <a:pPr algn="ctr" latinLnBrk="1"/>
                       <a:r>
-                        <a:rPr lang="en-US" altLang="ko-KR" sz="900" b="0" dirty="0" smtClean="0">
+                        <a:rPr lang="en-US" altLang="ko-KR" sz="900" b="0" dirty="0">
                           <a:solidFill>
                             <a:schemeClr val="tx1"/>
                           </a:solidFill>
@@ -3755,6 +5652,11 @@
                     </a:solidFill>
                   </a:tcPr>
                 </a:tc>
+                <a:extLst>
+                  <a:ext uri="{0D108BD9-81ED-4DB2-BD59-A6C34878D82A}">
+                    <a16:rowId xmlns:a16="http://schemas.microsoft.com/office/drawing/2014/main" val="10000"/>
+                  </a:ext>
+                </a:extLst>
               </a:tr>
               <a:tr h="0">
                 <a:tc>
@@ -3764,7 +5666,7 @@
                     <a:p>
                       <a:pPr algn="ctr" latinLnBrk="1"/>
                       <a:r>
-                        <a:rPr lang="en-US" altLang="ko-KR" sz="900" dirty="0" smtClean="0">
+                        <a:rPr lang="en-US" altLang="ko-KR" sz="900" dirty="0">
                           <a:latin typeface="나눔스퀘어 Bold" pitchFamily="50" charset="-127"/>
                           <a:ea typeface="나눔스퀘어 Bold" pitchFamily="50" charset="-127"/>
                         </a:rPr>
@@ -3818,6 +5720,11 @@
                     </a:solidFill>
                   </a:tcPr>
                 </a:tc>
+                <a:extLst>
+                  <a:ext uri="{0D108BD9-81ED-4DB2-BD59-A6C34878D82A}">
+                    <a16:rowId xmlns:a16="http://schemas.microsoft.com/office/drawing/2014/main" val="10001"/>
+                  </a:ext>
+                </a:extLst>
               </a:tr>
             </a:tbl>
           </a:graphicData>
@@ -3832,7 +5739,7 @@
           <p:nvPr>
             <p:extLst>
               <p:ext uri="{D42A27DB-BD31-4B8C-83A1-F6EECF244321}">
-                <p14:modId xmlns:p14="http://schemas.microsoft.com/office/powerpoint/2010/main" val="759120467"/>
+                <p14:modId xmlns:p14="http://schemas.microsoft.com/office/powerpoint/2010/main" val="3030940599"/>
               </p:ext>
             </p:extLst>
           </p:nvPr>
@@ -3848,7 +5755,13 @@
                 <a:tableStyleId>{5C22544A-7EE6-4342-B048-85BDC9FD1C3A}</a:tableStyleId>
               </a:tblPr>
               <a:tblGrid>
-                <a:gridCol w="1187450"/>
+                <a:gridCol w="1187450">
+                  <a:extLst>
+                    <a:ext uri="{9D8B030D-6E8A-4147-A177-3AD203B41FA5}">
+                      <a16:colId xmlns:a16="http://schemas.microsoft.com/office/drawing/2014/main" val="20000"/>
+                    </a:ext>
+                  </a:extLst>
+                </a:gridCol>
               </a:tblGrid>
               <a:tr h="0">
                 <a:tc>
@@ -3858,7 +5771,7 @@
                     <a:p>
                       <a:pPr algn="ctr" latinLnBrk="1"/>
                       <a:r>
-                        <a:rPr lang="en-US" altLang="ko-KR" sz="900" b="0" dirty="0" smtClean="0">
+                        <a:rPr lang="en-US" altLang="ko-KR" sz="900" b="0" dirty="0">
                           <a:solidFill>
                             <a:schemeClr val="tx1"/>
                           </a:solidFill>
@@ -3918,6 +5831,11 @@
                     </a:solidFill>
                   </a:tcPr>
                 </a:tc>
+                <a:extLst>
+                  <a:ext uri="{0D108BD9-81ED-4DB2-BD59-A6C34878D82A}">
+                    <a16:rowId xmlns:a16="http://schemas.microsoft.com/office/drawing/2014/main" val="10000"/>
+                  </a:ext>
+                </a:extLst>
               </a:tr>
               <a:tr h="0">
                 <a:tc>
@@ -3927,11 +5845,21 @@
                     <a:p>
                       <a:pPr algn="ctr" latinLnBrk="1"/>
                       <a:r>
-                        <a:rPr lang="en-US" altLang="ko-KR" sz="900" dirty="0" smtClean="0">
+                        <a:rPr lang="en-US" altLang="ko-KR" sz="900" dirty="0">
+                          <a:solidFill>
+                            <a:srgbClr val="FF004C"/>
+                          </a:solidFill>
                           <a:latin typeface="나눔스퀘어 Bold" pitchFamily="50" charset="-127"/>
                           <a:ea typeface="나눔스퀘어 Bold" pitchFamily="50" charset="-127"/>
                         </a:rPr>
-                        <a:t>Service / DAO</a:t>
+                        <a:t>Service</a:t>
+                      </a:r>
+                      <a:r>
+                        <a:rPr lang="en-US" altLang="ko-KR" sz="900" dirty="0">
+                          <a:latin typeface="나눔스퀘어 Bold" pitchFamily="50" charset="-127"/>
+                          <a:ea typeface="나눔스퀘어 Bold" pitchFamily="50" charset="-127"/>
+                        </a:rPr>
+                        <a:t> / DAO</a:t>
                       </a:r>
                       <a:endParaRPr lang="ko-KR" altLang="en-US" sz="900" dirty="0">
                         <a:latin typeface="나눔스퀘어 Bold" pitchFamily="50" charset="-127"/>
@@ -3981,6 +5909,11 @@
                     </a:solidFill>
                   </a:tcPr>
                 </a:tc>
+                <a:extLst>
+                  <a:ext uri="{0D108BD9-81ED-4DB2-BD59-A6C34878D82A}">
+                    <a16:rowId xmlns:a16="http://schemas.microsoft.com/office/drawing/2014/main" val="10001"/>
+                  </a:ext>
+                </a:extLst>
               </a:tr>
             </a:tbl>
           </a:graphicData>
@@ -4011,7 +5944,13 @@
                 <a:tableStyleId>{5C22544A-7EE6-4342-B048-85BDC9FD1C3A}</a:tableStyleId>
               </a:tblPr>
               <a:tblGrid>
-                <a:gridCol w="1187450"/>
+                <a:gridCol w="1187450">
+                  <a:extLst>
+                    <a:ext uri="{9D8B030D-6E8A-4147-A177-3AD203B41FA5}">
+                      <a16:colId xmlns:a16="http://schemas.microsoft.com/office/drawing/2014/main" val="20000"/>
+                    </a:ext>
+                  </a:extLst>
+                </a:gridCol>
               </a:tblGrid>
               <a:tr h="0">
                 <a:tc>
@@ -4021,7 +5960,7 @@
                     <a:p>
                       <a:pPr algn="ctr" latinLnBrk="1"/>
                       <a:r>
-                        <a:rPr lang="en-US" altLang="ko-KR" sz="900" b="0" dirty="0" smtClean="0">
+                        <a:rPr lang="en-US" altLang="ko-KR" sz="900" b="0" dirty="0">
                           <a:solidFill>
                             <a:schemeClr val="tx1"/>
                           </a:solidFill>
@@ -4081,6 +6020,11 @@
                     </a:solidFill>
                   </a:tcPr>
                 </a:tc>
+                <a:extLst>
+                  <a:ext uri="{0D108BD9-81ED-4DB2-BD59-A6C34878D82A}">
+                    <a16:rowId xmlns:a16="http://schemas.microsoft.com/office/drawing/2014/main" val="10000"/>
+                  </a:ext>
+                </a:extLst>
               </a:tr>
               <a:tr h="0">
                 <a:tc>
@@ -4090,7 +6034,7 @@
                     <a:p>
                       <a:pPr algn="ctr" latinLnBrk="1"/>
                       <a:r>
-                        <a:rPr lang="en-US" altLang="ko-KR" sz="900" dirty="0" smtClean="0">
+                        <a:rPr lang="en-US" altLang="ko-KR" sz="900" dirty="0">
                           <a:latin typeface="나눔스퀘어 Bold" pitchFamily="50" charset="-127"/>
                           <a:ea typeface="나눔스퀘어 Bold" pitchFamily="50" charset="-127"/>
                         </a:rPr>
@@ -4144,6 +6088,11 @@
                     </a:solidFill>
                   </a:tcPr>
                 </a:tc>
+                <a:extLst>
+                  <a:ext uri="{0D108BD9-81ED-4DB2-BD59-A6C34878D82A}">
+                    <a16:rowId xmlns:a16="http://schemas.microsoft.com/office/drawing/2014/main" val="10001"/>
+                  </a:ext>
+                </a:extLst>
               </a:tr>
             </a:tbl>
           </a:graphicData>
@@ -4158,7 +6107,7 @@
           <p:nvPr>
             <p:extLst>
               <p:ext uri="{D42A27DB-BD31-4B8C-83A1-F6EECF244321}">
-                <p14:modId xmlns:p14="http://schemas.microsoft.com/office/powerpoint/2010/main" val="3867802847"/>
+                <p14:modId xmlns:p14="http://schemas.microsoft.com/office/powerpoint/2010/main" val="1395985417"/>
               </p:ext>
             </p:extLst>
           </p:nvPr>
@@ -4174,7 +6123,13 @@
                 <a:tableStyleId>{5C22544A-7EE6-4342-B048-85BDC9FD1C3A}</a:tableStyleId>
               </a:tblPr>
               <a:tblGrid>
-                <a:gridCol w="1187450"/>
+                <a:gridCol w="1187450">
+                  <a:extLst>
+                    <a:ext uri="{9D8B030D-6E8A-4147-A177-3AD203B41FA5}">
+                      <a16:colId xmlns:a16="http://schemas.microsoft.com/office/drawing/2014/main" val="20000"/>
+                    </a:ext>
+                  </a:extLst>
+                </a:gridCol>
               </a:tblGrid>
               <a:tr h="0">
                 <a:tc>
@@ -4184,7 +6139,7 @@
                     <a:p>
                       <a:pPr algn="ctr" latinLnBrk="1"/>
                       <a:r>
-                        <a:rPr lang="en-US" altLang="ko-KR" sz="900" b="0" dirty="0" smtClean="0">
+                        <a:rPr lang="en-US" altLang="ko-KR" sz="900" b="0" dirty="0">
                           <a:solidFill>
                             <a:schemeClr val="tx1"/>
                           </a:solidFill>
@@ -4244,6 +6199,11 @@
                     </a:solidFill>
                   </a:tcPr>
                 </a:tc>
+                <a:extLst>
+                  <a:ext uri="{0D108BD9-81ED-4DB2-BD59-A6C34878D82A}">
+                    <a16:rowId xmlns:a16="http://schemas.microsoft.com/office/drawing/2014/main" val="10000"/>
+                  </a:ext>
+                </a:extLst>
               </a:tr>
               <a:tr h="0">
                 <a:tc>
@@ -4253,13 +6213,19 @@
                     <a:p>
                       <a:pPr algn="ctr" latinLnBrk="1"/>
                       <a:r>
-                        <a:rPr lang="en-US" altLang="ko-KR" sz="900" dirty="0" err="1" smtClean="0">
+                        <a:rPr lang="en-US" altLang="ko-KR" sz="900" dirty="0" err="1">
+                          <a:solidFill>
+                            <a:srgbClr val="FF004C"/>
+                          </a:solidFill>
                           <a:latin typeface="나눔스퀘어 ExtraBold" pitchFamily="50" charset="-127"/>
                           <a:ea typeface="나눔스퀘어 ExtraBold" pitchFamily="50" charset="-127"/>
                         </a:rPr>
                         <a:t>Mybatis</a:t>
                       </a:r>
                       <a:endParaRPr lang="ko-KR" altLang="en-US" sz="900" dirty="0">
+                        <a:solidFill>
+                          <a:srgbClr val="FF004C"/>
+                        </a:solidFill>
                         <a:latin typeface="나눔스퀘어 ExtraBold" pitchFamily="50" charset="-127"/>
                         <a:ea typeface="나눔스퀘어 ExtraBold" pitchFamily="50" charset="-127"/>
                       </a:endParaRPr>
@@ -4307,6 +6273,11 @@
                     </a:solidFill>
                   </a:tcPr>
                 </a:tc>
+                <a:extLst>
+                  <a:ext uri="{0D108BD9-81ED-4DB2-BD59-A6C34878D82A}">
+                    <a16:rowId xmlns:a16="http://schemas.microsoft.com/office/drawing/2014/main" val="10001"/>
+                  </a:ext>
+                </a:extLst>
               </a:tr>
             </a:tbl>
           </a:graphicData>
@@ -4337,7 +6308,13 @@
                 <a:tableStyleId>{5C22544A-7EE6-4342-B048-85BDC9FD1C3A}</a:tableStyleId>
               </a:tblPr>
               <a:tblGrid>
-                <a:gridCol w="1187450"/>
+                <a:gridCol w="1187450">
+                  <a:extLst>
+                    <a:ext uri="{9D8B030D-6E8A-4147-A177-3AD203B41FA5}">
+                      <a16:colId xmlns:a16="http://schemas.microsoft.com/office/drawing/2014/main" val="20000"/>
+                    </a:ext>
+                  </a:extLst>
+                </a:gridCol>
               </a:tblGrid>
               <a:tr h="0">
                 <a:tc>
@@ -4347,7 +6324,7 @@
                     <a:p>
                       <a:pPr algn="ctr" latinLnBrk="1"/>
                       <a:r>
-                        <a:rPr lang="en-US" altLang="ko-KR" sz="900" b="0" dirty="0" smtClean="0">
+                        <a:rPr lang="en-US" altLang="ko-KR" sz="900" b="0" dirty="0">
                           <a:solidFill>
                             <a:schemeClr val="tx1"/>
                           </a:solidFill>
@@ -4407,6 +6384,11 @@
                     </a:solidFill>
                   </a:tcPr>
                 </a:tc>
+                <a:extLst>
+                  <a:ext uri="{0D108BD9-81ED-4DB2-BD59-A6C34878D82A}">
+                    <a16:rowId xmlns:a16="http://schemas.microsoft.com/office/drawing/2014/main" val="10000"/>
+                  </a:ext>
+                </a:extLst>
               </a:tr>
             </a:tbl>
           </a:graphicData>
@@ -4421,7 +6403,7 @@
           <p:nvPr>
             <p:extLst>
               <p:ext uri="{D42A27DB-BD31-4B8C-83A1-F6EECF244321}">
-                <p14:modId xmlns:p14="http://schemas.microsoft.com/office/powerpoint/2010/main" val="3457356711"/>
+                <p14:modId xmlns:p14="http://schemas.microsoft.com/office/powerpoint/2010/main" val="3618648346"/>
               </p:ext>
             </p:extLst>
           </p:nvPr>
@@ -4437,7 +6419,13 @@
                 <a:tableStyleId>{5C22544A-7EE6-4342-B048-85BDC9FD1C3A}</a:tableStyleId>
               </a:tblPr>
               <a:tblGrid>
-                <a:gridCol w="1187450"/>
+                <a:gridCol w="1187450">
+                  <a:extLst>
+                    <a:ext uri="{9D8B030D-6E8A-4147-A177-3AD203B41FA5}">
+                      <a16:colId xmlns:a16="http://schemas.microsoft.com/office/drawing/2014/main" val="20000"/>
+                    </a:ext>
+                  </a:extLst>
+                </a:gridCol>
               </a:tblGrid>
               <a:tr h="0">
                 <a:tc>
@@ -4447,7 +6435,7 @@
                     <a:p>
                       <a:pPr algn="ctr" latinLnBrk="1"/>
                       <a:r>
-                        <a:rPr lang="en-US" altLang="ko-KR" sz="900" b="0" dirty="0" smtClean="0">
+                        <a:rPr lang="en-US" altLang="ko-KR" sz="900" b="0" dirty="0">
                           <a:solidFill>
                             <a:schemeClr val="tx1"/>
                           </a:solidFill>
@@ -4507,6 +6495,11 @@
                     </a:solidFill>
                   </a:tcPr>
                 </a:tc>
+                <a:extLst>
+                  <a:ext uri="{0D108BD9-81ED-4DB2-BD59-A6C34878D82A}">
+                    <a16:rowId xmlns:a16="http://schemas.microsoft.com/office/drawing/2014/main" val="10000"/>
+                  </a:ext>
+                </a:extLst>
               </a:tr>
               <a:tr h="0">
                 <a:tc>
@@ -4516,13 +6509,19 @@
                     <a:p>
                       <a:pPr algn="ctr" latinLnBrk="1"/>
                       <a:r>
-                        <a:rPr lang="en-US" altLang="ko-KR" sz="900" dirty="0" smtClean="0">
+                        <a:rPr lang="en-US" altLang="ko-KR" sz="900" dirty="0">
+                          <a:solidFill>
+                            <a:srgbClr val="FF004C"/>
+                          </a:solidFill>
                           <a:latin typeface="나눔스퀘어 ExtraBold" pitchFamily="50" charset="-127"/>
                           <a:ea typeface="나눔스퀘어 ExtraBold" pitchFamily="50" charset="-127"/>
                         </a:rPr>
                         <a:t>RDMBS</a:t>
                       </a:r>
                       <a:endParaRPr lang="ko-KR" altLang="en-US" sz="900" dirty="0">
+                        <a:solidFill>
+                          <a:srgbClr val="FF004C"/>
+                        </a:solidFill>
                         <a:latin typeface="나눔스퀘어 ExtraBold" pitchFamily="50" charset="-127"/>
                         <a:ea typeface="나눔스퀘어 ExtraBold" pitchFamily="50" charset="-127"/>
                       </a:endParaRPr>
@@ -4570,6 +6569,11 @@
                     </a:solidFill>
                   </a:tcPr>
                 </a:tc>
+                <a:extLst>
+                  <a:ext uri="{0D108BD9-81ED-4DB2-BD59-A6C34878D82A}">
+                    <a16:rowId xmlns:a16="http://schemas.microsoft.com/office/drawing/2014/main" val="10001"/>
+                  </a:ext>
+                </a:extLst>
               </a:tr>
             </a:tbl>
           </a:graphicData>
@@ -4618,7 +6622,7 @@
           <a:p>
             <a:pPr algn="ctr"/>
             <a:r>
-              <a:rPr lang="ko-KR" altLang="en-US" sz="1100" b="0" dirty="0" smtClean="0">
+              <a:rPr lang="ko-KR" altLang="en-US" sz="1100" b="0" dirty="0">
                 <a:solidFill>
                   <a:schemeClr val="tx1"/>
                 </a:solidFill>
@@ -4627,7 +6631,7 @@
               </a:rPr>
               <a:t>서비스</a:t>
             </a:r>
-            <a:endParaRPr lang="en-US" altLang="ko-KR" sz="1100" b="0" dirty="0" smtClean="0">
+            <a:endParaRPr lang="en-US" altLang="ko-KR" sz="1100" b="0" dirty="0">
               <a:solidFill>
                 <a:schemeClr val="tx1"/>
               </a:solidFill>
@@ -4638,7 +6642,7 @@
           <a:p>
             <a:pPr algn="ctr"/>
             <a:r>
-              <a:rPr lang="ko-KR" altLang="en-US" sz="1100" b="0" dirty="0" smtClean="0">
+              <a:rPr lang="ko-KR" altLang="en-US" sz="1100" b="0" dirty="0">
                 <a:solidFill>
                   <a:schemeClr val="tx1"/>
                 </a:solidFill>
@@ -4647,13 +6651,6 @@
               </a:rPr>
               <a:t>서브시스템</a:t>
             </a:r>
-            <a:endParaRPr lang="ko-KR" altLang="en-US" sz="1100" b="0" dirty="0">
-              <a:solidFill>
-                <a:schemeClr val="tx1"/>
-              </a:solidFill>
-              <a:latin typeface="나눔스퀘어 Bold" pitchFamily="50" charset="-127"/>
-              <a:ea typeface="나눔스퀘어 Bold" pitchFamily="50" charset="-127"/>
-            </a:endParaRPr>
           </a:p>
         </p:txBody>
       </p:sp>
@@ -4700,7 +6697,7 @@
           <a:p>
             <a:pPr algn="ctr"/>
             <a:r>
-              <a:rPr lang="ko-KR" altLang="en-US" sz="1100" b="0" dirty="0" smtClean="0">
+              <a:rPr lang="ko-KR" altLang="en-US" sz="1100" b="0" dirty="0">
                 <a:solidFill>
                   <a:schemeClr val="tx1"/>
                 </a:solidFill>
@@ -4709,13 +6706,6 @@
               </a:rPr>
               <a:t>데이터 서브시스템</a:t>
             </a:r>
-            <a:endParaRPr lang="ko-KR" altLang="en-US" sz="1100" b="0" dirty="0">
-              <a:solidFill>
-                <a:schemeClr val="tx1"/>
-              </a:solidFill>
-              <a:latin typeface="나눔스퀘어 Bold" pitchFamily="50" charset="-127"/>
-              <a:ea typeface="나눔스퀘어 Bold" pitchFamily="50" charset="-127"/>
-            </a:endParaRPr>
           </a:p>
         </p:txBody>
       </p:sp>
@@ -4818,7 +6808,13 @@
                 <a:tableStyleId>{5C22544A-7EE6-4342-B048-85BDC9FD1C3A}</a:tableStyleId>
               </a:tblPr>
               <a:tblGrid>
-                <a:gridCol w="1187450"/>
+                <a:gridCol w="1187450">
+                  <a:extLst>
+                    <a:ext uri="{9D8B030D-6E8A-4147-A177-3AD203B41FA5}">
+                      <a16:colId xmlns:a16="http://schemas.microsoft.com/office/drawing/2014/main" val="20000"/>
+                    </a:ext>
+                  </a:extLst>
+                </a:gridCol>
               </a:tblGrid>
               <a:tr h="0">
                 <a:tc>
@@ -4828,7 +6824,7 @@
                     <a:p>
                       <a:pPr algn="ctr" latinLnBrk="1"/>
                       <a:r>
-                        <a:rPr lang="en-US" altLang="ko-KR" sz="900" b="0" dirty="0" smtClean="0">
+                        <a:rPr lang="en-US" altLang="ko-KR" sz="900" b="0" dirty="0">
                           <a:solidFill>
                             <a:schemeClr val="tx1"/>
                           </a:solidFill>
@@ -4888,6 +6884,11 @@
                     </a:solidFill>
                   </a:tcPr>
                 </a:tc>
+                <a:extLst>
+                  <a:ext uri="{0D108BD9-81ED-4DB2-BD59-A6C34878D82A}">
+                    <a16:rowId xmlns:a16="http://schemas.microsoft.com/office/drawing/2014/main" val="10000"/>
+                  </a:ext>
+                </a:extLst>
               </a:tr>
               <a:tr h="0">
                 <a:tc>
@@ -4897,16 +6898,12 @@
                     <a:p>
                       <a:pPr algn="ctr" latinLnBrk="1"/>
                       <a:r>
-                        <a:rPr lang="ko-KR" altLang="en-US" sz="900" dirty="0" smtClean="0">
+                        <a:rPr lang="ko-KR" altLang="en-US" sz="900" dirty="0">
                           <a:latin typeface="나눔스퀘어 Bold" pitchFamily="50" charset="-127"/>
                           <a:ea typeface="나눔스퀘어 Bold" pitchFamily="50" charset="-127"/>
                         </a:rPr>
                         <a:t>클라이언트</a:t>
                       </a:r>
-                      <a:endParaRPr lang="ko-KR" altLang="en-US" sz="900" dirty="0">
-                        <a:latin typeface="나눔스퀘어 Bold" pitchFamily="50" charset="-127"/>
-                        <a:ea typeface="나눔스퀘어 Bold" pitchFamily="50" charset="-127"/>
-                      </a:endParaRPr>
                     </a:p>
                   </a:txBody>
                   <a:tcPr>
@@ -4951,6 +6948,11 @@
                     </a:solidFill>
                   </a:tcPr>
                 </a:tc>
+                <a:extLst>
+                  <a:ext uri="{0D108BD9-81ED-4DB2-BD59-A6C34878D82A}">
+                    <a16:rowId xmlns:a16="http://schemas.microsoft.com/office/drawing/2014/main" val="10001"/>
+                  </a:ext>
+                </a:extLst>
               </a:tr>
             </a:tbl>
           </a:graphicData>
@@ -5287,7 +7289,13 @@
                 <a:tableStyleId>{5C22544A-7EE6-4342-B048-85BDC9FD1C3A}</a:tableStyleId>
               </a:tblPr>
               <a:tblGrid>
-                <a:gridCol w="1187450"/>
+                <a:gridCol w="1187450">
+                  <a:extLst>
+                    <a:ext uri="{9D8B030D-6E8A-4147-A177-3AD203B41FA5}">
+                      <a16:colId xmlns:a16="http://schemas.microsoft.com/office/drawing/2014/main" val="20000"/>
+                    </a:ext>
+                  </a:extLst>
+                </a:gridCol>
               </a:tblGrid>
               <a:tr h="0">
                 <a:tc>
@@ -5297,7 +7305,7 @@
                     <a:p>
                       <a:pPr algn="ctr" latinLnBrk="1"/>
                       <a:r>
-                        <a:rPr lang="en-US" altLang="ko-KR" sz="900" b="0" dirty="0" smtClean="0">
+                        <a:rPr lang="en-US" altLang="ko-KR" sz="900" b="0" dirty="0">
                           <a:solidFill>
                             <a:schemeClr val="tx1"/>
                           </a:solidFill>
@@ -5357,6 +7365,11 @@
                     </a:solidFill>
                   </a:tcPr>
                 </a:tc>
+                <a:extLst>
+                  <a:ext uri="{0D108BD9-81ED-4DB2-BD59-A6C34878D82A}">
+                    <a16:rowId xmlns:a16="http://schemas.microsoft.com/office/drawing/2014/main" val="10000"/>
+                  </a:ext>
+                </a:extLst>
               </a:tr>
               <a:tr h="0">
                 <a:tc>
@@ -5366,16 +7379,12 @@
                     <a:p>
                       <a:pPr algn="ctr" latinLnBrk="1"/>
                       <a:r>
-                        <a:rPr lang="ko-KR" altLang="en-US" sz="900" dirty="0" smtClean="0">
+                        <a:rPr lang="ko-KR" altLang="en-US" sz="900" dirty="0">
                           <a:latin typeface="나눔스퀘어 Bold" pitchFamily="50" charset="-127"/>
                           <a:ea typeface="나눔스퀘어 Bold" pitchFamily="50" charset="-127"/>
                         </a:rPr>
                         <a:t>서비스 서버</a:t>
                       </a:r>
-                      <a:endParaRPr lang="ko-KR" altLang="en-US" sz="900" dirty="0">
-                        <a:latin typeface="나눔스퀘어 Bold" pitchFamily="50" charset="-127"/>
-                        <a:ea typeface="나눔스퀘어 Bold" pitchFamily="50" charset="-127"/>
-                      </a:endParaRPr>
                     </a:p>
                   </a:txBody>
                   <a:tcPr>
@@ -5420,6 +7429,11 @@
                     </a:solidFill>
                   </a:tcPr>
                 </a:tc>
+                <a:extLst>
+                  <a:ext uri="{0D108BD9-81ED-4DB2-BD59-A6C34878D82A}">
+                    <a16:rowId xmlns:a16="http://schemas.microsoft.com/office/drawing/2014/main" val="10001"/>
+                  </a:ext>
+                </a:extLst>
               </a:tr>
             </a:tbl>
           </a:graphicData>
@@ -5450,7 +7464,13 @@
                 <a:tableStyleId>{5C22544A-7EE6-4342-B048-85BDC9FD1C3A}</a:tableStyleId>
               </a:tblPr>
               <a:tblGrid>
-                <a:gridCol w="1187450"/>
+                <a:gridCol w="1187450">
+                  <a:extLst>
+                    <a:ext uri="{9D8B030D-6E8A-4147-A177-3AD203B41FA5}">
+                      <a16:colId xmlns:a16="http://schemas.microsoft.com/office/drawing/2014/main" val="20000"/>
+                    </a:ext>
+                  </a:extLst>
+                </a:gridCol>
               </a:tblGrid>
               <a:tr h="0">
                 <a:tc>
@@ -5460,7 +7480,7 @@
                     <a:p>
                       <a:pPr algn="ctr" latinLnBrk="1"/>
                       <a:r>
-                        <a:rPr lang="en-US" altLang="ko-KR" sz="900" b="0" dirty="0" smtClean="0">
+                        <a:rPr lang="en-US" altLang="ko-KR" sz="900" b="0" dirty="0">
                           <a:solidFill>
                             <a:schemeClr val="tx1"/>
                           </a:solidFill>
@@ -5520,6 +7540,11 @@
                     </a:solidFill>
                   </a:tcPr>
                 </a:tc>
+                <a:extLst>
+                  <a:ext uri="{0D108BD9-81ED-4DB2-BD59-A6C34878D82A}">
+                    <a16:rowId xmlns:a16="http://schemas.microsoft.com/office/drawing/2014/main" val="10000"/>
+                  </a:ext>
+                </a:extLst>
               </a:tr>
               <a:tr h="0">
                 <a:tc>
@@ -5529,16 +7554,12 @@
                     <a:p>
                       <a:pPr algn="ctr" latinLnBrk="1"/>
                       <a:r>
-                        <a:rPr lang="ko-KR" altLang="en-US" sz="900" dirty="0" smtClean="0">
+                        <a:rPr lang="ko-KR" altLang="en-US" sz="900" dirty="0">
                           <a:latin typeface="나눔스퀘어 Bold" pitchFamily="50" charset="-127"/>
                           <a:ea typeface="나눔스퀘어 Bold" pitchFamily="50" charset="-127"/>
                         </a:rPr>
                         <a:t>데이터 서버</a:t>
                       </a:r>
-                      <a:endParaRPr lang="ko-KR" altLang="en-US" sz="900" dirty="0">
-                        <a:latin typeface="나눔스퀘어 Bold" pitchFamily="50" charset="-127"/>
-                        <a:ea typeface="나눔스퀘어 Bold" pitchFamily="50" charset="-127"/>
-                      </a:endParaRPr>
                     </a:p>
                   </a:txBody>
                   <a:tcPr>
@@ -5583,6 +7604,11 @@
                     </a:solidFill>
                   </a:tcPr>
                 </a:tc>
+                <a:extLst>
+                  <a:ext uri="{0D108BD9-81ED-4DB2-BD59-A6C34878D82A}">
+                    <a16:rowId xmlns:a16="http://schemas.microsoft.com/office/drawing/2014/main" val="10001"/>
+                  </a:ext>
+                </a:extLst>
               </a:tr>
             </a:tbl>
           </a:graphicData>
@@ -5715,17 +7741,10 @@
   <p:clrMapOvr>
     <a:masterClrMapping/>
   </p:clrMapOvr>
-  <p:timing>
-    <p:tnLst>
-      <p:par>
-        <p:cTn id="1" dur="indefinite" restart="never" nodeType="tmRoot"/>
-      </p:par>
-    </p:tnLst>
-  </p:timing>
 </p:sld>
 </file>
 
-<file path=ppt/slides/slide3.xml><?xml version="1.0" encoding="utf-8"?>
+<file path=ppt/slides/slide5.xml><?xml version="1.0" encoding="utf-8"?>
 <p:sld xmlns:a="http://schemas.openxmlformats.org/drawingml/2006/main" xmlns:r="http://schemas.openxmlformats.org/officeDocument/2006/relationships" xmlns:p="http://schemas.openxmlformats.org/presentationml/2006/main">
   <p:cSld>
     <p:spTree>
@@ -5758,10 +7777,9 @@
           <a:lstStyle/>
           <a:p>
             <a:r>
-              <a:rPr lang="ko-KR" altLang="en-US" dirty="0" smtClean="0"/>
+              <a:rPr lang="ko-KR" altLang="en-US" dirty="0"/>
               <a:t>소프트웨어 아키텍처</a:t>
             </a:r>
-            <a:endParaRPr lang="ko-KR" altLang="en-US" dirty="0"/>
           </a:p>
         </p:txBody>
       </p:sp>
@@ -5790,9 +7808,27 @@
                 <a:tableStyleId>{5C22544A-7EE6-4342-B048-85BDC9FD1C3A}</a:tableStyleId>
               </a:tblPr>
               <a:tblGrid>
-                <a:gridCol w="1596360"/>
-                <a:gridCol w="812183"/>
-                <a:gridCol w="2977287"/>
+                <a:gridCol w="1596360">
+                  <a:extLst>
+                    <a:ext uri="{9D8B030D-6E8A-4147-A177-3AD203B41FA5}">
+                      <a16:colId xmlns:a16="http://schemas.microsoft.com/office/drawing/2014/main" val="20000"/>
+                    </a:ext>
+                  </a:extLst>
+                </a:gridCol>
+                <a:gridCol w="812183">
+                  <a:extLst>
+                    <a:ext uri="{9D8B030D-6E8A-4147-A177-3AD203B41FA5}">
+                      <a16:colId xmlns:a16="http://schemas.microsoft.com/office/drawing/2014/main" val="20001"/>
+                    </a:ext>
+                  </a:extLst>
+                </a:gridCol>
+                <a:gridCol w="2977287">
+                  <a:extLst>
+                    <a:ext uri="{9D8B030D-6E8A-4147-A177-3AD203B41FA5}">
+                      <a16:colId xmlns:a16="http://schemas.microsoft.com/office/drawing/2014/main" val="20002"/>
+                    </a:ext>
+                  </a:extLst>
+                </a:gridCol>
               </a:tblGrid>
               <a:tr h="222590">
                 <a:tc>
@@ -6017,6 +8053,11 @@
                     </a:solidFill>
                   </a:tcPr>
                 </a:tc>
+                <a:extLst>
+                  <a:ext uri="{0D108BD9-81ED-4DB2-BD59-A6C34878D82A}">
+                    <a16:rowId xmlns:a16="http://schemas.microsoft.com/office/drawing/2014/main" val="10000"/>
+                  </a:ext>
+                </a:extLst>
               </a:tr>
               <a:tr h="321704">
                 <a:tc>
@@ -6289,6 +8330,11 @@
                     </a:solidFill>
                   </a:tcPr>
                 </a:tc>
+                <a:extLst>
+                  <a:ext uri="{0D108BD9-81ED-4DB2-BD59-A6C34878D82A}">
+                    <a16:rowId xmlns:a16="http://schemas.microsoft.com/office/drawing/2014/main" val="10001"/>
+                  </a:ext>
+                </a:extLst>
               </a:tr>
               <a:tr h="323850">
                 <a:tc>
@@ -6534,6 +8580,11 @@
                     </a:solidFill>
                   </a:tcPr>
                 </a:tc>
+                <a:extLst>
+                  <a:ext uri="{0D108BD9-81ED-4DB2-BD59-A6C34878D82A}">
+                    <a16:rowId xmlns:a16="http://schemas.microsoft.com/office/drawing/2014/main" val="10002"/>
+                  </a:ext>
+                </a:extLst>
               </a:tr>
               <a:tr h="361950">
                 <a:tc>
@@ -6795,6 +8846,11 @@
                     </a:solidFill>
                   </a:tcPr>
                 </a:tc>
+                <a:extLst>
+                  <a:ext uri="{0D108BD9-81ED-4DB2-BD59-A6C34878D82A}">
+                    <a16:rowId xmlns:a16="http://schemas.microsoft.com/office/drawing/2014/main" val="10003"/>
+                  </a:ext>
+                </a:extLst>
               </a:tr>
             </a:tbl>
           </a:graphicData>
@@ -6825,9 +8881,27 @@
                 <a:tableStyleId>{5C22544A-7EE6-4342-B048-85BDC9FD1C3A}</a:tableStyleId>
               </a:tblPr>
               <a:tblGrid>
-                <a:gridCol w="2119896"/>
-                <a:gridCol w="977696"/>
-                <a:gridCol w="2735914"/>
+                <a:gridCol w="2119896">
+                  <a:extLst>
+                    <a:ext uri="{9D8B030D-6E8A-4147-A177-3AD203B41FA5}">
+                      <a16:colId xmlns:a16="http://schemas.microsoft.com/office/drawing/2014/main" val="20000"/>
+                    </a:ext>
+                  </a:extLst>
+                </a:gridCol>
+                <a:gridCol w="977696">
+                  <a:extLst>
+                    <a:ext uri="{9D8B030D-6E8A-4147-A177-3AD203B41FA5}">
+                      <a16:colId xmlns:a16="http://schemas.microsoft.com/office/drawing/2014/main" val="20001"/>
+                    </a:ext>
+                  </a:extLst>
+                </a:gridCol>
+                <a:gridCol w="2735914">
+                  <a:extLst>
+                    <a:ext uri="{9D8B030D-6E8A-4147-A177-3AD203B41FA5}">
+                      <a16:colId xmlns:a16="http://schemas.microsoft.com/office/drawing/2014/main" val="20002"/>
+                    </a:ext>
+                  </a:extLst>
+                </a:gridCol>
               </a:tblGrid>
               <a:tr h="228603">
                 <a:tc>
@@ -7052,6 +9126,11 @@
                     </a:solidFill>
                   </a:tcPr>
                 </a:tc>
+                <a:extLst>
+                  <a:ext uri="{0D108BD9-81ED-4DB2-BD59-A6C34878D82A}">
+                    <a16:rowId xmlns:a16="http://schemas.microsoft.com/office/drawing/2014/main" val="10000"/>
+                  </a:ext>
+                </a:extLst>
               </a:tr>
               <a:tr h="213241">
                 <a:tc>
@@ -7276,6 +9355,11 @@
                     </a:solidFill>
                   </a:tcPr>
                 </a:tc>
+                <a:extLst>
+                  <a:ext uri="{0D108BD9-81ED-4DB2-BD59-A6C34878D82A}">
+                    <a16:rowId xmlns:a16="http://schemas.microsoft.com/office/drawing/2014/main" val="10001"/>
+                  </a:ext>
+                </a:extLst>
               </a:tr>
               <a:tr h="238125">
                 <a:tc>
@@ -7500,6 +9584,11 @@
                     </a:solidFill>
                   </a:tcPr>
                 </a:tc>
+                <a:extLst>
+                  <a:ext uri="{0D108BD9-81ED-4DB2-BD59-A6C34878D82A}">
+                    <a16:rowId xmlns:a16="http://schemas.microsoft.com/office/drawing/2014/main" val="10002"/>
+                  </a:ext>
+                </a:extLst>
               </a:tr>
               <a:tr h="194190">
                 <a:tc>
@@ -7724,6 +9813,11 @@
                     </a:solidFill>
                   </a:tcPr>
                 </a:tc>
+                <a:extLst>
+                  <a:ext uri="{0D108BD9-81ED-4DB2-BD59-A6C34878D82A}">
+                    <a16:rowId xmlns:a16="http://schemas.microsoft.com/office/drawing/2014/main" val="10003"/>
+                  </a:ext>
+                </a:extLst>
               </a:tr>
               <a:tr h="218002">
                 <a:tc rowSpan="2">
@@ -7896,6 +9990,11 @@
                     </a:solidFill>
                   </a:tcPr>
                 </a:tc>
+                <a:extLst>
+                  <a:ext uri="{0D108BD9-81ED-4DB2-BD59-A6C34878D82A}">
+                    <a16:rowId xmlns:a16="http://schemas.microsoft.com/office/drawing/2014/main" val="10004"/>
+                  </a:ext>
+                </a:extLst>
               </a:tr>
               <a:tr h="0">
                 <a:tc vMerge="1">
@@ -7994,6 +10093,11 @@
                     </a:solidFill>
                   </a:tcPr>
                 </a:tc>
+                <a:extLst>
+                  <a:ext uri="{0D108BD9-81ED-4DB2-BD59-A6C34878D82A}">
+                    <a16:rowId xmlns:a16="http://schemas.microsoft.com/office/drawing/2014/main" val="10005"/>
+                  </a:ext>
+                </a:extLst>
               </a:tr>
               <a:tr h="203714">
                 <a:tc>
@@ -8151,6 +10255,11 @@
                     </a:lnB>
                   </a:tcPr>
                 </a:tc>
+                <a:extLst>
+                  <a:ext uri="{0D108BD9-81ED-4DB2-BD59-A6C34878D82A}">
+                    <a16:rowId xmlns:a16="http://schemas.microsoft.com/office/drawing/2014/main" val="10006"/>
+                  </a:ext>
+                </a:extLst>
               </a:tr>
             </a:tbl>
           </a:graphicData>
@@ -8179,13 +10288,13 @@
           <a:lstStyle/>
           <a:p>
             <a:r>
-              <a:rPr lang="ko-KR" altLang="en-US" dirty="0" smtClean="0">
+              <a:rPr lang="ko-KR" altLang="en-US" dirty="0">
                 <a:latin typeface="나눔스퀘어 Bold" pitchFamily="50" charset="-127"/>
                 <a:ea typeface="나눔스퀘어 Bold" pitchFamily="50" charset="-127"/>
               </a:rPr>
               <a:t>사용 프레임워크</a:t>
             </a:r>
-            <a:endParaRPr lang="en-US" altLang="ko-KR" dirty="0" smtClean="0">
+            <a:endParaRPr lang="en-US" altLang="ko-KR" dirty="0">
               <a:latin typeface="나눔스퀘어 Bold" pitchFamily="50" charset="-127"/>
               <a:ea typeface="나눔스퀘어 Bold" pitchFamily="50" charset="-127"/>
             </a:endParaRPr>
@@ -8215,28 +10324,28 @@
           <a:lstStyle/>
           <a:p>
             <a:r>
-              <a:rPr lang="ko-KR" altLang="en-US" dirty="0" smtClean="0">
+              <a:rPr lang="ko-KR" altLang="en-US" dirty="0">
                 <a:latin typeface="나눔스퀘어 Bold" pitchFamily="50" charset="-127"/>
                 <a:ea typeface="나눔스퀘어 Bold" pitchFamily="50" charset="-127"/>
               </a:rPr>
               <a:t>설계패턴 </a:t>
             </a:r>
             <a:r>
-              <a:rPr lang="en-US" altLang="ko-KR" dirty="0" smtClean="0">
+              <a:rPr lang="en-US" altLang="ko-KR" dirty="0">
                 <a:latin typeface="나눔스퀘어 Bold" pitchFamily="50" charset="-127"/>
                 <a:ea typeface="나눔스퀘어 Bold" pitchFamily="50" charset="-127"/>
               </a:rPr>
               <a:t>(Spring MVC </a:t>
             </a:r>
             <a:r>
-              <a:rPr lang="ko-KR" altLang="en-US" dirty="0" smtClean="0">
+              <a:rPr lang="ko-KR" altLang="en-US" dirty="0">
                 <a:latin typeface="나눔스퀘어 Bold" pitchFamily="50" charset="-127"/>
                 <a:ea typeface="나눔스퀘어 Bold" pitchFamily="50" charset="-127"/>
               </a:rPr>
               <a:t>패턴 적용</a:t>
             </a:r>
             <a:r>
-              <a:rPr lang="en-US" altLang="ko-KR" dirty="0" smtClean="0">
+              <a:rPr lang="en-US" altLang="ko-KR" dirty="0">
                 <a:latin typeface="나눔스퀘어 Bold" pitchFamily="50" charset="-127"/>
                 <a:ea typeface="나눔스퀘어 Bold" pitchFamily="50" charset="-127"/>
               </a:rPr>
@@ -8285,13 +10394,6 @@
               </a:rPr>
               <a:t>을 사용하는 경우 가장 일반적인 패턴은</a:t>
             </a:r>
-            <a:r>
-              <a:rPr lang="en-US" altLang="ko-KR" sz="1400" b="0" dirty="0">
-                <a:latin typeface="나눔스퀘어" pitchFamily="50" charset="-127"/>
-                <a:ea typeface="나눔스퀘어" pitchFamily="50" charset="-127"/>
-              </a:rPr>
-              <a:t/>
-            </a:r>
             <a:br>
               <a:rPr lang="en-US" altLang="ko-KR" sz="1400" b="0" dirty="0">
                 <a:latin typeface="나눔스퀘어" pitchFamily="50" charset="-127"/>
@@ -8324,21 +10426,7 @@
                 <a:latin typeface="나눔스퀘어" pitchFamily="50" charset="-127"/>
                 <a:ea typeface="나눔스퀘어" pitchFamily="50" charset="-127"/>
               </a:rPr>
-              <a:t>구조를 </a:t>
-            </a:r>
-            <a:r>
-              <a:rPr lang="ko-KR" altLang="ko-KR" sz="1400" b="0" dirty="0" smtClean="0">
-                <a:latin typeface="나눔스퀘어" pitchFamily="50" charset="-127"/>
-                <a:ea typeface="나눔스퀘어" pitchFamily="50" charset="-127"/>
-              </a:rPr>
-              <a:t>사용</a:t>
-            </a:r>
-            <a:r>
-              <a:rPr lang="en-US" altLang="ko-KR" sz="1400" b="0" dirty="0">
-                <a:latin typeface="나눔스퀘어" pitchFamily="50" charset="-127"/>
-                <a:ea typeface="나눔스퀘어" pitchFamily="50" charset="-127"/>
-              </a:rPr>
-              <a:t/>
+              <a:t>구조를 사용</a:t>
             </a:r>
             <a:br>
               <a:rPr lang="en-US" altLang="ko-KR" sz="1400" b="0" dirty="0">
@@ -8351,19 +10439,8 @@
                 <a:latin typeface="나눔스퀘어" pitchFamily="50" charset="-127"/>
                 <a:ea typeface="나눔스퀘어" pitchFamily="50" charset="-127"/>
               </a:rPr>
-              <a:t>솔루션 구현에 불필요하다고 판단되는 요소를 제거하고 최소한의 구현요소만 </a:t>
-            </a:r>
-            <a:r>
-              <a:rPr lang="ko-KR" altLang="ko-KR" sz="1400" b="0" dirty="0" smtClean="0">
-                <a:latin typeface="나눔스퀘어" pitchFamily="50" charset="-127"/>
-                <a:ea typeface="나눔스퀘어" pitchFamily="50" charset="-127"/>
-              </a:rPr>
-              <a:t>사용</a:t>
-            </a:r>
-            <a:endParaRPr lang="ko-KR" altLang="ko-KR" sz="1400" b="0" dirty="0">
-              <a:latin typeface="나눔스퀘어" pitchFamily="50" charset="-127"/>
-              <a:ea typeface="나눔스퀘어" pitchFamily="50" charset="-127"/>
-            </a:endParaRPr>
+              <a:t>솔루션 구현에 불필요하다고 판단되는 요소를 제거하고 최소한의 구현요소만 사용</a:t>
+            </a:r>
           </a:p>
           <a:p>
             <a:pPr latinLnBrk="1">
@@ -8423,17 +10500,10 @@
   <p:clrMapOvr>
     <a:masterClrMapping/>
   </p:clrMapOvr>
-  <p:timing>
-    <p:tnLst>
-      <p:par>
-        <p:cTn id="1" dur="indefinite" restart="never" nodeType="tmRoot"/>
-      </p:par>
-    </p:tnLst>
-  </p:timing>
 </p:sld>
 </file>
 
-<file path=ppt/slides/slide4.xml><?xml version="1.0" encoding="utf-8"?>
+<file path=ppt/slides/slide6.xml><?xml version="1.0" encoding="utf-8"?>
 <p:sld xmlns:a="http://schemas.openxmlformats.org/drawingml/2006/main" xmlns:r="http://schemas.openxmlformats.org/officeDocument/2006/relationships" xmlns:p="http://schemas.openxmlformats.org/presentationml/2006/main">
   <p:cSld>
     <p:spTree>
@@ -8466,14 +10536,13 @@
           <a:lstStyle/>
           <a:p>
             <a:r>
-              <a:rPr lang="en-US" altLang="ko-KR" dirty="0" smtClean="0"/>
+              <a:rPr lang="en-US" altLang="ko-KR" dirty="0"/>
               <a:t>MDI </a:t>
             </a:r>
             <a:r>
-              <a:rPr lang="ko-KR" altLang="en-US" dirty="0" smtClean="0"/>
+              <a:rPr lang="ko-KR" altLang="en-US" dirty="0"/>
               <a:t>방식의 업무 환경</a:t>
             </a:r>
-            <a:endParaRPr lang="ko-KR" altLang="en-US" dirty="0"/>
           </a:p>
         </p:txBody>
       </p:sp>
@@ -8487,17 +10556,10 @@
   <p:clrMapOvr>
     <a:masterClrMapping/>
   </p:clrMapOvr>
-  <p:timing>
-    <p:tnLst>
-      <p:par>
-        <p:cTn id="1" dur="indefinite" restart="never" nodeType="tmRoot"/>
-      </p:par>
-    </p:tnLst>
-  </p:timing>
 </p:sld>
 </file>
 
-<file path=ppt/slides/slide5.xml><?xml version="1.0" encoding="utf-8"?>
+<file path=ppt/slides/slide7.xml><?xml version="1.0" encoding="utf-8"?>
 <p:sld xmlns:a="http://schemas.openxmlformats.org/drawingml/2006/main" xmlns:r="http://schemas.openxmlformats.org/officeDocument/2006/relationships" xmlns:p="http://schemas.openxmlformats.org/presentationml/2006/main">
   <p:cSld>
     <p:spTree>
@@ -8534,8 +10596,8 @@
           <a:lstStyle/>
           <a:p>
             <a:r>
-              <a:rPr lang="ko-KR" altLang="en-US" dirty="0" smtClean="0"/>
-              <a:t>포탈 개인화</a:t>
+              <a:rPr lang="ko-KR" altLang="en-US" dirty="0"/>
+              <a:t>개인화 기능</a:t>
             </a:r>
             <a:endParaRPr lang="ko-KR" altLang="en-US" dirty="0">
               <a:solidFill>
@@ -8555,17 +10617,10 @@
   <p:clrMapOvr>
     <a:masterClrMapping/>
   </p:clrMapOvr>
-  <p:timing>
-    <p:tnLst>
-      <p:par>
-        <p:cTn id="1" dur="indefinite" restart="never" nodeType="tmRoot"/>
-      </p:par>
-    </p:tnLst>
-  </p:timing>
 </p:sld>
 </file>
 
-<file path=ppt/slides/slide6.xml><?xml version="1.0" encoding="utf-8"?>
+<file path=ppt/slides/slide8.xml><?xml version="1.0" encoding="utf-8"?>
 <p:sld xmlns:a="http://schemas.openxmlformats.org/drawingml/2006/main" xmlns:r="http://schemas.openxmlformats.org/officeDocument/2006/relationships" xmlns:p="http://schemas.openxmlformats.org/presentationml/2006/main">
   <p:cSld>
     <p:spTree>
@@ -8598,10 +10653,9 @@
           <a:lstStyle/>
           <a:p>
             <a:r>
-              <a:rPr lang="ko-KR" altLang="en-US" dirty="0" smtClean="0"/>
+              <a:rPr lang="ko-KR" altLang="en-US" dirty="0"/>
               <a:t>조회 화면 구성</a:t>
             </a:r>
-            <a:endParaRPr lang="ko-KR" altLang="en-US" dirty="0"/>
           </a:p>
         </p:txBody>
       </p:sp>
@@ -8615,17 +10669,10 @@
   <p:clrMapOvr>
     <a:masterClrMapping/>
   </p:clrMapOvr>
-  <p:timing>
-    <p:tnLst>
-      <p:par>
-        <p:cTn id="1" dur="indefinite" restart="never" nodeType="tmRoot"/>
-      </p:par>
-    </p:tnLst>
-  </p:timing>
 </p:sld>
 </file>
 
-<file path=ppt/slides/slide7.xml><?xml version="1.0" encoding="utf-8"?>
+<file path=ppt/slides/slide9.xml><?xml version="1.0" encoding="utf-8"?>
 <p:sld xmlns:a="http://schemas.openxmlformats.org/drawingml/2006/main" xmlns:r="http://schemas.openxmlformats.org/officeDocument/2006/relationships" xmlns:p="http://schemas.openxmlformats.org/presentationml/2006/main">
   <p:cSld>
     <p:spTree>
@@ -8658,18 +10705,9 @@
           <a:lstStyle/>
           <a:p>
             <a:r>
-              <a:rPr lang="ko-KR" altLang="en-US" dirty="0" smtClean="0"/>
-              <a:t>상</a:t>
-            </a:r>
-            <a:r>
               <a:rPr lang="ko-KR" altLang="en-US" dirty="0"/>
-              <a:t>세</a:t>
-            </a:r>
-            <a:r>
-              <a:rPr lang="ko-KR" altLang="en-US" dirty="0" smtClean="0"/>
-              <a:t> 화면 구성</a:t>
-            </a:r>
-            <a:endParaRPr lang="ko-KR" altLang="en-US" dirty="0"/>
+              <a:t>상세 화면 구성</a:t>
+            </a:r>
           </a:p>
         </p:txBody>
       </p:sp>
@@ -8683,13 +10721,6 @@
   <p:clrMapOvr>
     <a:masterClrMapping/>
   </p:clrMapOvr>
-  <p:timing>
-    <p:tnLst>
-      <p:par>
-        <p:cTn id="1" dur="indefinite" restart="never" nodeType="tmRoot"/>
-      </p:par>
-    </p:tnLst>
-  </p:timing>
 </p:sld>
 </file>
 
